--- a/bozza presentation.pptx
+++ b/bozza presentation.pptx
@@ -5126,13 +5126,13 @@
   <p:clrMapOvr>
     <a:masterClrMapping/>
   </p:clrMapOvr>
-  <mc:AlternateContent xmlns:mc="http://schemas.openxmlformats.org/markup-compatibility/2006">
-    <mc:Choice xmlns:p14="http://schemas.microsoft.com/office/powerpoint/2010/main" Requires="p14">
+  <mc:AlternateContent xmlns:mc="http://schemas.openxmlformats.org/markup-compatibility/2006" xmlns:p14="http://schemas.microsoft.com/office/powerpoint/2010/main">
+    <mc:Choice Requires="p14">
       <p:transition spd="med" p14:dur="700">
         <p:fade/>
       </p:transition>
     </mc:Choice>
-    <mc:Fallback>
+    <mc:Fallback xmlns="">
       <p:transition spd="med">
         <p:fade/>
       </p:transition>
@@ -5330,13 +5330,13 @@
   <p:clrMapOvr>
     <a:masterClrMapping/>
   </p:clrMapOvr>
-  <mc:AlternateContent xmlns:mc="http://schemas.openxmlformats.org/markup-compatibility/2006">
-    <mc:Choice xmlns:p14="http://schemas.microsoft.com/office/powerpoint/2010/main" Requires="p14">
+  <mc:AlternateContent xmlns:mc="http://schemas.openxmlformats.org/markup-compatibility/2006" xmlns:p14="http://schemas.microsoft.com/office/powerpoint/2010/main">
+    <mc:Choice Requires="p14">
       <p:transition spd="med" p14:dur="700">
         <p:fade/>
       </p:transition>
     </mc:Choice>
-    <mc:Fallback>
+    <mc:Fallback xmlns="">
       <p:transition spd="med">
         <p:fade/>
       </p:transition>
@@ -5544,13 +5544,13 @@
   <p:clrMapOvr>
     <a:masterClrMapping/>
   </p:clrMapOvr>
-  <mc:AlternateContent xmlns:mc="http://schemas.openxmlformats.org/markup-compatibility/2006">
-    <mc:Choice xmlns:p14="http://schemas.microsoft.com/office/powerpoint/2010/main" Requires="p14">
+  <mc:AlternateContent xmlns:mc="http://schemas.openxmlformats.org/markup-compatibility/2006" xmlns:p14="http://schemas.microsoft.com/office/powerpoint/2010/main">
+    <mc:Choice Requires="p14">
       <p:transition spd="med" p14:dur="700">
         <p:fade/>
       </p:transition>
     </mc:Choice>
-    <mc:Fallback>
+    <mc:Fallback xmlns="">
       <p:transition spd="med">
         <p:fade/>
       </p:transition>
@@ -5586,13 +5586,13 @@
   <p:clrMapOvr>
     <a:masterClrMapping/>
   </p:clrMapOvr>
-  <mc:AlternateContent xmlns:mc="http://schemas.openxmlformats.org/markup-compatibility/2006">
-    <mc:Choice xmlns:p14="http://schemas.microsoft.com/office/powerpoint/2010/main" Requires="p14">
+  <mc:AlternateContent xmlns:mc="http://schemas.openxmlformats.org/markup-compatibility/2006" xmlns:p14="http://schemas.microsoft.com/office/powerpoint/2010/main">
+    <mc:Choice Requires="p14">
       <p:transition spd="med" p14:dur="700">
         <p:fade/>
       </p:transition>
     </mc:Choice>
-    <mc:Fallback>
+    <mc:Fallback xmlns="">
       <p:transition spd="med">
         <p:fade/>
       </p:transition>
@@ -10264,13 +10264,13 @@
   <p:clrMapOvr>
     <a:masterClrMapping/>
   </p:clrMapOvr>
-  <mc:AlternateContent xmlns:mc="http://schemas.openxmlformats.org/markup-compatibility/2006">
-    <mc:Choice xmlns:p14="http://schemas.microsoft.com/office/powerpoint/2010/main" Requires="p14">
+  <mc:AlternateContent xmlns:mc="http://schemas.openxmlformats.org/markup-compatibility/2006" xmlns:p14="http://schemas.microsoft.com/office/powerpoint/2010/main">
+    <mc:Choice Requires="p14">
       <p:transition spd="med" p14:dur="700">
         <p:fade/>
       </p:transition>
     </mc:Choice>
-    <mc:Fallback>
+    <mc:Fallback xmlns="">
       <p:transition spd="med">
         <p:fade/>
       </p:transition>
@@ -10545,13 +10545,13 @@
   <p:clrMapOvr>
     <a:masterClrMapping/>
   </p:clrMapOvr>
-  <mc:AlternateContent xmlns:mc="http://schemas.openxmlformats.org/markup-compatibility/2006">
-    <mc:Choice xmlns:p14="http://schemas.microsoft.com/office/powerpoint/2010/main" Requires="p14">
+  <mc:AlternateContent xmlns:mc="http://schemas.openxmlformats.org/markup-compatibility/2006" xmlns:p14="http://schemas.microsoft.com/office/powerpoint/2010/main">
+    <mc:Choice Requires="p14">
       <p:transition spd="med" p14:dur="700">
         <p:fade/>
       </p:transition>
     </mc:Choice>
-    <mc:Fallback>
+    <mc:Fallback xmlns="">
       <p:transition spd="med">
         <p:fade/>
       </p:transition>
@@ -10866,13 +10866,13 @@
   <p:clrMapOvr>
     <a:masterClrMapping/>
   </p:clrMapOvr>
-  <mc:AlternateContent xmlns:mc="http://schemas.openxmlformats.org/markup-compatibility/2006">
-    <mc:Choice xmlns:p14="http://schemas.microsoft.com/office/powerpoint/2010/main" Requires="p14">
+  <mc:AlternateContent xmlns:mc="http://schemas.openxmlformats.org/markup-compatibility/2006" xmlns:p14="http://schemas.microsoft.com/office/powerpoint/2010/main">
+    <mc:Choice Requires="p14">
       <p:transition spd="med" p14:dur="700">
         <p:fade/>
       </p:transition>
     </mc:Choice>
-    <mc:Fallback>
+    <mc:Fallback xmlns="">
       <p:transition spd="med">
         <p:fade/>
       </p:transition>
@@ -11321,13 +11321,13 @@
   <p:clrMapOvr>
     <a:masterClrMapping/>
   </p:clrMapOvr>
-  <mc:AlternateContent xmlns:mc="http://schemas.openxmlformats.org/markup-compatibility/2006">
-    <mc:Choice xmlns:p14="http://schemas.microsoft.com/office/powerpoint/2010/main" Requires="p14">
+  <mc:AlternateContent xmlns:mc="http://schemas.openxmlformats.org/markup-compatibility/2006" xmlns:p14="http://schemas.microsoft.com/office/powerpoint/2010/main">
+    <mc:Choice Requires="p14">
       <p:transition spd="med" p14:dur="700">
         <p:fade/>
       </p:transition>
     </mc:Choice>
-    <mc:Fallback>
+    <mc:Fallback xmlns="">
       <p:transition spd="med">
         <p:fade/>
       </p:transition>
@@ -11474,13 +11474,13 @@
   <p:clrMapOvr>
     <a:masterClrMapping/>
   </p:clrMapOvr>
-  <mc:AlternateContent xmlns:mc="http://schemas.openxmlformats.org/markup-compatibility/2006">
-    <mc:Choice xmlns:p14="http://schemas.microsoft.com/office/powerpoint/2010/main" Requires="p14">
+  <mc:AlternateContent xmlns:mc="http://schemas.openxmlformats.org/markup-compatibility/2006" xmlns:p14="http://schemas.microsoft.com/office/powerpoint/2010/main">
+    <mc:Choice Requires="p14">
       <p:transition spd="med" p14:dur="700">
         <p:fade/>
       </p:transition>
     </mc:Choice>
-    <mc:Fallback>
+    <mc:Fallback xmlns="">
       <p:transition spd="med">
         <p:fade/>
       </p:transition>
@@ -11605,13 +11605,13 @@
   <p:clrMapOvr>
     <a:masterClrMapping/>
   </p:clrMapOvr>
-  <mc:AlternateContent xmlns:mc="http://schemas.openxmlformats.org/markup-compatibility/2006">
-    <mc:Choice xmlns:p14="http://schemas.microsoft.com/office/powerpoint/2010/main" Requires="p14">
+  <mc:AlternateContent xmlns:mc="http://schemas.openxmlformats.org/markup-compatibility/2006" xmlns:p14="http://schemas.microsoft.com/office/powerpoint/2010/main">
+    <mc:Choice Requires="p14">
       <p:transition spd="med" p14:dur="700">
         <p:fade/>
       </p:transition>
     </mc:Choice>
-    <mc:Fallback>
+    <mc:Fallback xmlns="">
       <p:transition spd="med">
         <p:fade/>
       </p:transition>
@@ -11916,13 +11916,13 @@
   <p:clrMapOvr>
     <a:masterClrMapping/>
   </p:clrMapOvr>
-  <mc:AlternateContent xmlns:mc="http://schemas.openxmlformats.org/markup-compatibility/2006">
-    <mc:Choice xmlns:p14="http://schemas.microsoft.com/office/powerpoint/2010/main" Requires="p14">
+  <mc:AlternateContent xmlns:mc="http://schemas.openxmlformats.org/markup-compatibility/2006" xmlns:p14="http://schemas.microsoft.com/office/powerpoint/2010/main">
+    <mc:Choice Requires="p14">
       <p:transition spd="med" p14:dur="700">
         <p:fade/>
       </p:transition>
     </mc:Choice>
-    <mc:Fallback>
+    <mc:Fallback xmlns="">
       <p:transition spd="med">
         <p:fade/>
       </p:transition>
@@ -12207,13 +12207,13 @@
   <p:clrMapOvr>
     <a:masterClrMapping/>
   </p:clrMapOvr>
-  <mc:AlternateContent xmlns:mc="http://schemas.openxmlformats.org/markup-compatibility/2006">
-    <mc:Choice xmlns:p14="http://schemas.microsoft.com/office/powerpoint/2010/main" Requires="p14">
+  <mc:AlternateContent xmlns:mc="http://schemas.openxmlformats.org/markup-compatibility/2006" xmlns:p14="http://schemas.microsoft.com/office/powerpoint/2010/main">
+    <mc:Choice Requires="p14">
       <p:transition spd="med" p14:dur="700">
         <p:fade/>
       </p:transition>
     </mc:Choice>
-    <mc:Fallback>
+    <mc:Fallback xmlns="">
       <p:transition spd="med">
         <p:fade/>
       </p:transition>
@@ -12359,13 +12359,13 @@
     <p:sldLayoutId id="2147483659" r:id="rId11"/>
     <p:sldLayoutId id="2147483660" r:id="rId12"/>
   </p:sldLayoutIdLst>
-  <mc:AlternateContent xmlns:mc="http://schemas.openxmlformats.org/markup-compatibility/2006">
-    <mc:Choice xmlns:p14="http://schemas.microsoft.com/office/powerpoint/2010/main" Requires="p14">
+  <mc:AlternateContent xmlns:mc="http://schemas.openxmlformats.org/markup-compatibility/2006" xmlns:p14="http://schemas.microsoft.com/office/powerpoint/2010/main">
+    <mc:Choice Requires="p14">
       <p:transition spd="med" p14:dur="700">
         <p:fade/>
       </p:transition>
     </mc:Choice>
-    <mc:Fallback>
+    <mc:Fallback xmlns="">
       <p:transition spd="med">
         <p:fade/>
       </p:transition>
@@ -13152,13 +13152,13 @@
   <p:clrMapOvr>
     <a:masterClrMapping/>
   </p:clrMapOvr>
-  <mc:AlternateContent xmlns:mc="http://schemas.openxmlformats.org/markup-compatibility/2006">
-    <mc:Choice xmlns:p14="http://schemas.microsoft.com/office/powerpoint/2010/main" Requires="p14">
+  <mc:AlternateContent xmlns:mc="http://schemas.openxmlformats.org/markup-compatibility/2006" xmlns:p14="http://schemas.microsoft.com/office/powerpoint/2010/main">
+    <mc:Choice Requires="p14">
       <p:transition spd="med" p14:dur="700">
         <p:fade/>
       </p:transition>
     </mc:Choice>
-    <mc:Fallback>
+    <mc:Fallback xmlns="">
       <p:transition spd="med">
         <p:fade/>
       </p:transition>
@@ -13836,13 +13836,13 @@
   <p:clrMapOvr>
     <a:masterClrMapping/>
   </p:clrMapOvr>
-  <mc:AlternateContent xmlns:mc="http://schemas.openxmlformats.org/markup-compatibility/2006">
-    <mc:Choice xmlns:p14="http://schemas.microsoft.com/office/powerpoint/2010/main" Requires="p14">
+  <mc:AlternateContent xmlns:mc="http://schemas.openxmlformats.org/markup-compatibility/2006" xmlns:p14="http://schemas.microsoft.com/office/powerpoint/2010/main">
+    <mc:Choice Requires="p14">
       <p:transition spd="med" p14:dur="700">
         <p:fade/>
       </p:transition>
     </mc:Choice>
-    <mc:Fallback>
+    <mc:Fallback xmlns="">
       <p:transition spd="med">
         <p:fade/>
       </p:transition>
@@ -18539,13 +18539,13 @@
   <p:clrMapOvr>
     <a:masterClrMapping/>
   </p:clrMapOvr>
-  <mc:AlternateContent xmlns:mc="http://schemas.openxmlformats.org/markup-compatibility/2006">
-    <mc:Choice xmlns:p14="http://schemas.microsoft.com/office/powerpoint/2010/main" Requires="p14">
+  <mc:AlternateContent xmlns:mc="http://schemas.openxmlformats.org/markup-compatibility/2006" xmlns:p14="http://schemas.microsoft.com/office/powerpoint/2010/main">
+    <mc:Choice Requires="p14">
       <p:transition spd="med" p14:dur="700">
         <p:fade/>
       </p:transition>
     </mc:Choice>
-    <mc:Fallback>
+    <mc:Fallback xmlns="">
       <p:transition spd="med">
         <p:fade/>
       </p:transition>
@@ -19563,13 +19563,13 @@
   <p:clrMapOvr>
     <a:masterClrMapping/>
   </p:clrMapOvr>
-  <mc:AlternateContent xmlns:mc="http://schemas.openxmlformats.org/markup-compatibility/2006">
-    <mc:Choice xmlns:p14="http://schemas.microsoft.com/office/powerpoint/2010/main" Requires="p14">
+  <mc:AlternateContent xmlns:mc="http://schemas.openxmlformats.org/markup-compatibility/2006" xmlns:p14="http://schemas.microsoft.com/office/powerpoint/2010/main">
+    <mc:Choice Requires="p14">
       <p:transition spd="med" p14:dur="700">
         <p:fade/>
       </p:transition>
     </mc:Choice>
-    <mc:Fallback>
+    <mc:Fallback xmlns="">
       <p:transition spd="med">
         <p:fade/>
       </p:transition>
@@ -20446,13 +20446,13 @@
   <p:clrMapOvr>
     <a:masterClrMapping/>
   </p:clrMapOvr>
-  <mc:AlternateContent xmlns:mc="http://schemas.openxmlformats.org/markup-compatibility/2006">
-    <mc:Choice xmlns:p14="http://schemas.microsoft.com/office/powerpoint/2010/main" Requires="p14">
+  <mc:AlternateContent xmlns:mc="http://schemas.openxmlformats.org/markup-compatibility/2006" xmlns:p14="http://schemas.microsoft.com/office/powerpoint/2010/main">
+    <mc:Choice Requires="p14">
       <p:transition spd="med" p14:dur="700">
         <p:fade/>
       </p:transition>
     </mc:Choice>
-    <mc:Fallback>
+    <mc:Fallback xmlns="">
       <p:transition spd="med">
         <p:fade/>
       </p:transition>
@@ -23173,13 +23173,13 @@
   <p:clrMapOvr>
     <a:masterClrMapping/>
   </p:clrMapOvr>
-  <mc:AlternateContent xmlns:mc="http://schemas.openxmlformats.org/markup-compatibility/2006">
-    <mc:Choice xmlns:p14="http://schemas.microsoft.com/office/powerpoint/2010/main" Requires="p14">
+  <mc:AlternateContent xmlns:mc="http://schemas.openxmlformats.org/markup-compatibility/2006" xmlns:p14="http://schemas.microsoft.com/office/powerpoint/2010/main">
+    <mc:Choice Requires="p14">
       <p:transition spd="med" p14:dur="700">
         <p:fade/>
       </p:transition>
     </mc:Choice>
-    <mc:Fallback>
+    <mc:Fallback xmlns="">
       <p:transition spd="med">
         <p:fade/>
       </p:transition>
@@ -23654,13 +23654,13 @@
   <p:clrMapOvr>
     <a:masterClrMapping/>
   </p:clrMapOvr>
-  <mc:AlternateContent xmlns:mc="http://schemas.openxmlformats.org/markup-compatibility/2006">
-    <mc:Choice xmlns:p14="http://schemas.microsoft.com/office/powerpoint/2010/main" Requires="p14">
+  <mc:AlternateContent xmlns:mc="http://schemas.openxmlformats.org/markup-compatibility/2006" xmlns:p14="http://schemas.microsoft.com/office/powerpoint/2010/main">
+    <mc:Choice Requires="p14">
       <p:transition spd="med" p14:dur="700">
         <p:fade/>
       </p:transition>
     </mc:Choice>
-    <mc:Fallback>
+    <mc:Fallback xmlns="">
       <p:transition spd="med">
         <p:fade/>
       </p:transition>
@@ -24184,6 +24184,180 @@
           </a:effectLst>
         </p:spPr>
       </p:pic>
+      <p:sp>
+        <p:nvSpPr>
+          <p:cNvPr id="11" name="Titolo 1">
+            <a:extLst>
+              <a:ext uri="{FF2B5EF4-FFF2-40B4-BE49-F238E27FC236}">
+                <a16:creationId xmlns:a16="http://schemas.microsoft.com/office/drawing/2014/main" id="{F4F2D8E6-9283-B34C-9430-2AC9F36DB17D}"/>
+              </a:ext>
+            </a:extLst>
+          </p:cNvPr>
+          <p:cNvSpPr txBox="1">
+            <a:spLocks/>
+          </p:cNvSpPr>
+          <p:nvPr/>
+        </p:nvSpPr>
+        <p:spPr>
+          <a:xfrm>
+            <a:off x="3749041" y="192090"/>
+            <a:ext cx="3083560" cy="840400"/>
+          </a:xfrm>
+          <a:prstGeom prst="rect">
+            <a:avLst/>
+          </a:prstGeom>
+        </p:spPr>
+        <p:txBody>
+          <a:bodyPr vert="horz" lIns="91440" tIns="45720" rIns="91440" bIns="45720" rtlCol="0" anchor="ctr" anchorCtr="0">
+            <a:normAutofit/>
+          </a:bodyPr>
+          <a:lstStyle>
+            <a:lvl1pPr marL="0" indent="0" algn="l" defTabSz="457200" rtl="0" eaLnBrk="1" latinLnBrk="0" hangingPunct="1">
+              <a:spcBef>
+                <a:spcPct val="0"/>
+              </a:spcBef>
+              <a:buNone/>
+              <a:defRPr sz="2200" b="1" kern="1200">
+                <a:solidFill>
+                  <a:schemeClr val="bg1"/>
+                </a:solidFill>
+                <a:latin typeface="Arial"/>
+                <a:ea typeface="+mj-ea"/>
+                <a:cs typeface="Arial"/>
+              </a:defRPr>
+            </a:lvl1pPr>
+          </a:lstStyle>
+          <a:p>
+            <a:r>
+              <a:rPr lang="it-IT" sz="2800" dirty="0">
+                <a:latin typeface="Century Schoolbook" panose="02040604050505020304" pitchFamily="18" charset="0"/>
+              </a:rPr>
+              <a:t>- </a:t>
+            </a:r>
+            <a:r>
+              <a:rPr lang="it-IT" sz="2800" dirty="0" err="1">
+                <a:latin typeface="Century Schoolbook" panose="02040604050505020304" pitchFamily="18" charset="0"/>
+              </a:rPr>
+              <a:t>static</a:t>
+            </a:r>
+            <a:endParaRPr lang="en-GB" sz="2800" dirty="0">
+              <a:latin typeface="Century Schoolbook" panose="02040604050505020304" pitchFamily="18" charset="0"/>
+            </a:endParaRPr>
+          </a:p>
+        </p:txBody>
+      </p:sp>
+      <p:sp>
+        <p:nvSpPr>
+          <p:cNvPr id="12" name="Titolo 1">
+            <a:extLst>
+              <a:ext uri="{FF2B5EF4-FFF2-40B4-BE49-F238E27FC236}">
+                <a16:creationId xmlns:a16="http://schemas.microsoft.com/office/drawing/2014/main" id="{77B0424F-7383-6947-8816-59B0CEB6A3FB}"/>
+              </a:ext>
+            </a:extLst>
+          </p:cNvPr>
+          <p:cNvSpPr txBox="1">
+            <a:spLocks/>
+          </p:cNvSpPr>
+          <p:nvPr/>
+        </p:nvSpPr>
+        <p:spPr>
+          <a:xfrm>
+            <a:off x="3742438" y="192090"/>
+            <a:ext cx="3083560" cy="840400"/>
+          </a:xfrm>
+          <a:prstGeom prst="rect">
+            <a:avLst/>
+          </a:prstGeom>
+        </p:spPr>
+        <p:txBody>
+          <a:bodyPr vert="horz" lIns="91440" tIns="45720" rIns="91440" bIns="45720" rtlCol="0" anchor="ctr" anchorCtr="0">
+            <a:normAutofit/>
+          </a:bodyPr>
+          <a:lstStyle>
+            <a:lvl1pPr marL="0" indent="0" algn="l" defTabSz="457200" rtl="0" eaLnBrk="1" latinLnBrk="0" hangingPunct="1">
+              <a:spcBef>
+                <a:spcPct val="0"/>
+              </a:spcBef>
+              <a:buNone/>
+              <a:defRPr sz="2200" b="1" kern="1200">
+                <a:solidFill>
+                  <a:schemeClr val="bg1"/>
+                </a:solidFill>
+                <a:latin typeface="Arial"/>
+                <a:ea typeface="+mj-ea"/>
+                <a:cs typeface="Arial"/>
+              </a:defRPr>
+            </a:lvl1pPr>
+          </a:lstStyle>
+          <a:p>
+            <a:r>
+              <a:rPr lang="it-IT" sz="2800" dirty="0">
+                <a:latin typeface="Century Schoolbook" panose="02040604050505020304" pitchFamily="18" charset="0"/>
+              </a:rPr>
+              <a:t>- progressive</a:t>
+            </a:r>
+            <a:endParaRPr lang="en-GB" sz="2800" dirty="0">
+              <a:latin typeface="Century Schoolbook" panose="02040604050505020304" pitchFamily="18" charset="0"/>
+            </a:endParaRPr>
+          </a:p>
+        </p:txBody>
+      </p:sp>
+      <p:sp>
+        <p:nvSpPr>
+          <p:cNvPr id="14" name="Titolo 1">
+            <a:extLst>
+              <a:ext uri="{FF2B5EF4-FFF2-40B4-BE49-F238E27FC236}">
+                <a16:creationId xmlns:a16="http://schemas.microsoft.com/office/drawing/2014/main" id="{3FF17724-EA39-944D-A71C-A9ED69EB7098}"/>
+              </a:ext>
+            </a:extLst>
+          </p:cNvPr>
+          <p:cNvSpPr txBox="1">
+            <a:spLocks/>
+          </p:cNvSpPr>
+          <p:nvPr/>
+        </p:nvSpPr>
+        <p:spPr>
+          <a:xfrm>
+            <a:off x="3735835" y="197846"/>
+            <a:ext cx="3083560" cy="840400"/>
+          </a:xfrm>
+          <a:prstGeom prst="rect">
+            <a:avLst/>
+          </a:prstGeom>
+        </p:spPr>
+        <p:txBody>
+          <a:bodyPr vert="horz" lIns="91440" tIns="45720" rIns="91440" bIns="45720" rtlCol="0" anchor="ctr" anchorCtr="0">
+            <a:normAutofit/>
+          </a:bodyPr>
+          <a:lstStyle>
+            <a:lvl1pPr marL="0" indent="0" algn="l" defTabSz="457200" rtl="0" eaLnBrk="1" latinLnBrk="0" hangingPunct="1">
+              <a:spcBef>
+                <a:spcPct val="0"/>
+              </a:spcBef>
+              <a:buNone/>
+              <a:defRPr sz="2200" b="1" kern="1200">
+                <a:solidFill>
+                  <a:schemeClr val="bg1"/>
+                </a:solidFill>
+                <a:latin typeface="Arial"/>
+                <a:ea typeface="+mj-ea"/>
+                <a:cs typeface="Arial"/>
+              </a:defRPr>
+            </a:lvl1pPr>
+          </a:lstStyle>
+          <a:p>
+            <a:r>
+              <a:rPr lang="it-IT" sz="2800" dirty="0">
+                <a:latin typeface="Century Schoolbook" panose="02040604050505020304" pitchFamily="18" charset="0"/>
+              </a:rPr>
+              <a:t>- game over</a:t>
+            </a:r>
+            <a:endParaRPr lang="en-GB" sz="2800" dirty="0">
+              <a:latin typeface="Century Schoolbook" panose="02040604050505020304" pitchFamily="18" charset="0"/>
+            </a:endParaRPr>
+          </a:p>
+        </p:txBody>
+      </p:sp>
     </p:spTree>
     <p:extLst>
       <p:ext uri="{BB962C8B-B14F-4D97-AF65-F5344CB8AC3E}">
@@ -24194,13 +24368,13 @@
   <p:clrMapOvr>
     <a:masterClrMapping/>
   </p:clrMapOvr>
-  <mc:AlternateContent xmlns:mc="http://schemas.openxmlformats.org/markup-compatibility/2006">
-    <mc:Choice xmlns:p14="http://schemas.microsoft.com/office/powerpoint/2010/main" Requires="p14">
+  <mc:AlternateContent xmlns:mc="http://schemas.openxmlformats.org/markup-compatibility/2006" xmlns:p14="http://schemas.microsoft.com/office/powerpoint/2010/main">
+    <mc:Choice Requires="p14">
       <p:transition spd="med" p14:dur="700">
         <p:fade/>
       </p:transition>
     </mc:Choice>
-    <mc:Fallback>
+    <mc:Fallback xmlns="">
       <p:transition spd="med">
         <p:fade/>
       </p:transition>
@@ -24262,14 +24436,84 @@
                                 </p:cTn>
                               </p:par>
                               <p:par>
-                                <p:cTn id="8" presetID="9" presetClass="entr" presetSubtype="0" fill="hold" nodeType="withEffect">
+                                <p:cTn id="8" presetID="9" presetClass="exit" presetSubtype="0" fill="hold" grpId="0" nodeType="withEffect">
+                                  <p:stCondLst>
+                                    <p:cond delay="0"/>
+                                  </p:stCondLst>
+                                  <p:childTnLst>
+                                    <p:animEffect transition="out" filter="dissolve">
+                                      <p:cBhvr>
+                                        <p:cTn id="9" dur="1000"/>
+                                        <p:tgtEl>
+                                          <p:spTgt spid="11"/>
+                                        </p:tgtEl>
+                                      </p:cBhvr>
+                                    </p:animEffect>
+                                    <p:set>
+                                      <p:cBhvr>
+                                        <p:cTn id="10" dur="1" fill="hold">
+                                          <p:stCondLst>
+                                            <p:cond delay="999"/>
+                                          </p:stCondLst>
+                                        </p:cTn>
+                                        <p:tgtEl>
+                                          <p:spTgt spid="11"/>
+                                        </p:tgtEl>
+                                        <p:attrNameLst>
+                                          <p:attrName>style.visibility</p:attrName>
+                                        </p:attrNameLst>
+                                      </p:cBhvr>
+                                      <p:to>
+                                        <p:strVal val="hidden"/>
+                                      </p:to>
+                                    </p:set>
+                                  </p:childTnLst>
+                                </p:cTn>
+                              </p:par>
+                              <p:par>
+                                <p:cTn id="11" presetID="9" presetClass="entr" presetSubtype="0" fill="hold" grpId="0" nodeType="withEffect">
                                   <p:stCondLst>
                                     <p:cond delay="0"/>
                                   </p:stCondLst>
                                   <p:childTnLst>
                                     <p:set>
                                       <p:cBhvr>
-                                        <p:cTn id="9" dur="1" fill="hold">
+                                        <p:cTn id="12" dur="1" fill="hold">
+                                          <p:stCondLst>
+                                            <p:cond delay="0"/>
+                                          </p:stCondLst>
+                                        </p:cTn>
+                                        <p:tgtEl>
+                                          <p:spTgt spid="12"/>
+                                        </p:tgtEl>
+                                        <p:attrNameLst>
+                                          <p:attrName>style.visibility</p:attrName>
+                                        </p:attrNameLst>
+                                      </p:cBhvr>
+                                      <p:to>
+                                        <p:strVal val="visible"/>
+                                      </p:to>
+                                    </p:set>
+                                    <p:animEffect transition="in" filter="dissolve">
+                                      <p:cBhvr>
+                                        <p:cTn id="13" dur="1000"/>
+                                        <p:tgtEl>
+                                          <p:spTgt spid="12"/>
+                                        </p:tgtEl>
+                                      </p:cBhvr>
+                                    </p:animEffect>
+                                  </p:childTnLst>
+                                </p:cTn>
+                              </p:par>
+                              <p:par>
+                                <p:cTn id="14" presetID="9" presetClass="entr" presetSubtype="0" fill="hold" nodeType="withEffect">
+                                  <p:stCondLst>
+                                    <p:cond delay="0"/>
+                                  </p:stCondLst>
+                                  <p:childTnLst>
+                                    <p:set>
+                                      <p:cBhvr>
+                                        <p:cTn id="15" dur="1" fill="hold">
                                           <p:stCondLst>
                                             <p:cond delay="0"/>
                                           </p:stCondLst>
@@ -24287,7 +24531,7 @@
                                     </p:set>
                                     <p:animEffect transition="in" filter="dissolve">
                                       <p:cBhvr>
-                                        <p:cTn id="10" dur="1000"/>
+                                        <p:cTn id="16" dur="1000"/>
                                         <p:tgtEl>
                                           <p:spTgt spid="20"/>
                                         </p:tgtEl>
@@ -24303,26 +24547,26 @@
                     </p:cTn>
                   </p:par>
                   <p:par>
-                    <p:cTn id="11" fill="hold">
+                    <p:cTn id="17" fill="hold">
                       <p:stCondLst>
                         <p:cond delay="indefinite"/>
                       </p:stCondLst>
                       <p:childTnLst>
                         <p:par>
-                          <p:cTn id="12" fill="hold">
+                          <p:cTn id="18" fill="hold">
                             <p:stCondLst>
                               <p:cond delay="0"/>
                             </p:stCondLst>
                             <p:childTnLst>
                               <p:par>
-                                <p:cTn id="13" presetID="9" presetClass="exit" presetSubtype="0" fill="hold" nodeType="clickEffect">
+                                <p:cTn id="19" presetID="9" presetClass="exit" presetSubtype="0" fill="hold" nodeType="clickEffect">
                                   <p:stCondLst>
                                     <p:cond delay="0"/>
                                   </p:stCondLst>
                                   <p:childTnLst>
                                     <p:animEffect transition="out" filter="dissolve">
                                       <p:cBhvr>
-                                        <p:cTn id="14" dur="1000"/>
+                                        <p:cTn id="20" dur="1000"/>
                                         <p:tgtEl>
                                           <p:spTgt spid="20"/>
                                         </p:tgtEl>
@@ -24330,7 +24574,7 @@
                                     </p:animEffect>
                                     <p:set>
                                       <p:cBhvr>
-                                        <p:cTn id="15" dur="1" fill="hold">
+                                        <p:cTn id="21" dur="1" fill="hold">
                                           <p:stCondLst>
                                             <p:cond delay="999"/>
                                           </p:stCondLst>
@@ -24350,14 +24594,49 @@
                                 </p:cTn>
                               </p:par>
                               <p:par>
-                                <p:cTn id="16" presetID="9" presetClass="entr" presetSubtype="0" fill="hold" nodeType="withEffect">
+                                <p:cTn id="22" presetID="9" presetClass="exit" presetSubtype="0" fill="hold" grpId="1" nodeType="withEffect">
+                                  <p:stCondLst>
+                                    <p:cond delay="0"/>
+                                  </p:stCondLst>
+                                  <p:childTnLst>
+                                    <p:animEffect transition="out" filter="dissolve">
+                                      <p:cBhvr>
+                                        <p:cTn id="23" dur="1000"/>
+                                        <p:tgtEl>
+                                          <p:spTgt spid="12"/>
+                                        </p:tgtEl>
+                                      </p:cBhvr>
+                                    </p:animEffect>
+                                    <p:set>
+                                      <p:cBhvr>
+                                        <p:cTn id="24" dur="1" fill="hold">
+                                          <p:stCondLst>
+                                            <p:cond delay="999"/>
+                                          </p:stCondLst>
+                                        </p:cTn>
+                                        <p:tgtEl>
+                                          <p:spTgt spid="12"/>
+                                        </p:tgtEl>
+                                        <p:attrNameLst>
+                                          <p:attrName>style.visibility</p:attrName>
+                                        </p:attrNameLst>
+                                      </p:cBhvr>
+                                      <p:to>
+                                        <p:strVal val="hidden"/>
+                                      </p:to>
+                                    </p:set>
+                                  </p:childTnLst>
+                                </p:cTn>
+                              </p:par>
+                              <p:par>
+                                <p:cTn id="25" presetID="9" presetClass="entr" presetSubtype="0" fill="hold" nodeType="withEffect">
                                   <p:stCondLst>
                                     <p:cond delay="0"/>
                                   </p:stCondLst>
                                   <p:childTnLst>
                                     <p:set>
                                       <p:cBhvr>
-                                        <p:cTn id="17" dur="1" fill="hold">
+                                        <p:cTn id="26" dur="1" fill="hold">
                                           <p:stCondLst>
                                             <p:cond delay="0"/>
                                           </p:stCondLst>
@@ -24375,9 +24654,44 @@
                                     </p:set>
                                     <p:animEffect transition="in" filter="dissolve">
                                       <p:cBhvr>
-                                        <p:cTn id="18" dur="1000"/>
+                                        <p:cTn id="27" dur="1000"/>
                                         <p:tgtEl>
                                           <p:spTgt spid="22"/>
+                                        </p:tgtEl>
+                                      </p:cBhvr>
+                                    </p:animEffect>
+                                  </p:childTnLst>
+                                </p:cTn>
+                              </p:par>
+                              <p:par>
+                                <p:cTn id="28" presetID="9" presetClass="entr" presetSubtype="0" fill="hold" grpId="0" nodeType="withEffect">
+                                  <p:stCondLst>
+                                    <p:cond delay="0"/>
+                                  </p:stCondLst>
+                                  <p:childTnLst>
+                                    <p:set>
+                                      <p:cBhvr>
+                                        <p:cTn id="29" dur="1" fill="hold">
+                                          <p:stCondLst>
+                                            <p:cond delay="0"/>
+                                          </p:stCondLst>
+                                        </p:cTn>
+                                        <p:tgtEl>
+                                          <p:spTgt spid="14"/>
+                                        </p:tgtEl>
+                                        <p:attrNameLst>
+                                          <p:attrName>style.visibility</p:attrName>
+                                        </p:attrNameLst>
+                                      </p:cBhvr>
+                                      <p:to>
+                                        <p:strVal val="visible"/>
+                                      </p:to>
+                                    </p:set>
+                                    <p:animEffect transition="in" filter="dissolve">
+                                      <p:cBhvr>
+                                        <p:cTn id="30" dur="1000"/>
+                                        <p:tgtEl>
+                                          <p:spTgt spid="14"/>
                                         </p:tgtEl>
                                       </p:cBhvr>
                                     </p:animEffect>
@@ -24411,6 +24725,12 @@
         </p:cTn>
       </p:par>
     </p:tnLst>
+    <p:bldLst>
+      <p:bldP spid="11" grpId="0"/>
+      <p:bldP spid="12" grpId="0"/>
+      <p:bldP spid="12" grpId="1"/>
+      <p:bldP spid="14" grpId="0"/>
+    </p:bldLst>
   </p:timing>
 </p:sld>
 </file>
@@ -24868,13 +25188,13 @@
   <p:clrMapOvr>
     <a:masterClrMapping/>
   </p:clrMapOvr>
-  <mc:AlternateContent xmlns:mc="http://schemas.openxmlformats.org/markup-compatibility/2006">
-    <mc:Choice xmlns:p14="http://schemas.microsoft.com/office/powerpoint/2010/main" Requires="p14">
+  <mc:AlternateContent xmlns:mc="http://schemas.openxmlformats.org/markup-compatibility/2006" xmlns:p14="http://schemas.microsoft.com/office/powerpoint/2010/main">
+    <mc:Choice Requires="p14">
       <p:transition spd="med" p14:dur="700">
         <p:fade/>
       </p:transition>
     </mc:Choice>
-    <mc:Fallback>
+    <mc:Fallback xmlns="">
       <p:transition spd="med">
         <p:fade/>
       </p:transition>
@@ -25811,13 +26131,13 @@
   <p:clrMapOvr>
     <a:masterClrMapping/>
   </p:clrMapOvr>
-  <mc:AlternateContent xmlns:mc="http://schemas.openxmlformats.org/markup-compatibility/2006">
-    <mc:Choice xmlns:p14="http://schemas.microsoft.com/office/powerpoint/2010/main" Requires="p14">
+  <mc:AlternateContent xmlns:mc="http://schemas.openxmlformats.org/markup-compatibility/2006" xmlns:p14="http://schemas.microsoft.com/office/powerpoint/2010/main">
+    <mc:Choice Requires="p14">
       <p:transition spd="med" p14:dur="700">
         <p:fade/>
       </p:transition>
     </mc:Choice>
-    <mc:Fallback>
+    <mc:Fallback xmlns="">
       <p:transition spd="med">
         <p:fade/>
       </p:transition>
@@ -26527,13 +26847,13 @@
   <p:clrMapOvr>
     <a:masterClrMapping/>
   </p:clrMapOvr>
-  <mc:AlternateContent xmlns:mc="http://schemas.openxmlformats.org/markup-compatibility/2006">
-    <mc:Choice xmlns:p14="http://schemas.microsoft.com/office/powerpoint/2010/main" Requires="p14">
+  <mc:AlternateContent xmlns:mc="http://schemas.openxmlformats.org/markup-compatibility/2006" xmlns:p14="http://schemas.microsoft.com/office/powerpoint/2010/main">
+    <mc:Choice Requires="p14">
       <p:transition spd="med" p14:dur="700">
         <p:fade/>
       </p:transition>
     </mc:Choice>
-    <mc:Fallback>
+    <mc:Fallback xmlns="">
       <p:transition spd="med">
         <p:fade/>
       </p:transition>

--- a/bozza presentation.pptx
+++ b/bozza presentation.pptx
@@ -19073,7 +19073,13 @@
               <a:rPr lang="it-IT" sz="2000" dirty="0">
                 <a:latin typeface="Century Schoolbook" panose="02040604050505020304" pitchFamily="18" charset="0"/>
               </a:rPr>
-              <a:t>browser del PC</a:t>
+              <a:t>browser </a:t>
+            </a:r>
+            <a:r>
+              <a:rPr lang="it-IT" sz="2000" dirty="0" err="1">
+                <a:latin typeface="Century Schoolbook" panose="02040604050505020304" pitchFamily="18" charset="0"/>
+              </a:rPr>
+              <a:t>Chrome</a:t>
             </a:r>
             <a:endParaRPr lang="it-IT" sz="2800" dirty="0">
               <a:latin typeface="Century Schoolbook" panose="02040604050505020304" pitchFamily="18" charset="0"/>
@@ -19266,37 +19272,8 @@
         </p:blipFill>
         <p:spPr>
           <a:xfrm>
-            <a:off x="4958602" y="3373267"/>
+            <a:off x="5913642" y="3373267"/>
             <a:ext cx="1207204" cy="1207204"/>
-          </a:xfrm>
-          <a:prstGeom prst="rect">
-            <a:avLst/>
-          </a:prstGeom>
-        </p:spPr>
-      </p:pic>
-      <p:pic>
-        <p:nvPicPr>
-          <p:cNvPr id="23" name="Picture 22" descr="A picture containing object&#13;&#10;&#13;&#10;Description automatically generated">
-            <a:extLst>
-              <a:ext uri="{FF2B5EF4-FFF2-40B4-BE49-F238E27FC236}">
-                <a16:creationId xmlns:a16="http://schemas.microsoft.com/office/drawing/2014/main" id="{F327271D-CBDD-6042-AA61-84D6245BC784}"/>
-              </a:ext>
-            </a:extLst>
-          </p:cNvPr>
-          <p:cNvPicPr>
-            <a:picLocks noChangeAspect="1"/>
-          </p:cNvPicPr>
-          <p:nvPr/>
-        </p:nvPicPr>
-        <p:blipFill rotWithShape="1">
-          <a:blip r:embed="rId5"/>
-          <a:srcRect l="18990" t="9552" r="19496" b="10602"/>
-          <a:stretch/>
-        </p:blipFill>
-        <p:spPr>
-          <a:xfrm>
-            <a:off x="6781667" y="3405250"/>
-            <a:ext cx="1207203" cy="1175221"/>
           </a:xfrm>
           <a:prstGeom prst="rect">
             <a:avLst/>
@@ -19317,7 +19294,7 @@
         </p:nvGrpSpPr>
         <p:grpSpPr>
           <a:xfrm>
-            <a:off x="5107648" y="5090478"/>
+            <a:off x="5412448" y="5090478"/>
             <a:ext cx="946708" cy="946708"/>
             <a:chOff x="5107648" y="4876725"/>
             <a:chExt cx="946708" cy="946708"/>
@@ -19338,7 +19315,7 @@
             <p:nvPr/>
           </p:nvPicPr>
           <p:blipFill>
-            <a:blip r:embed="rId6"/>
+            <a:blip r:embed="rId5"/>
             <a:stretch>
               <a:fillRect/>
             </a:stretch>
@@ -19427,7 +19404,7 @@
         </p:nvGrpSpPr>
         <p:grpSpPr>
           <a:xfrm>
-            <a:off x="6947024" y="5077853"/>
+            <a:off x="6865744" y="5077853"/>
             <a:ext cx="946708" cy="946708"/>
             <a:chOff x="6781924" y="4978400"/>
             <a:chExt cx="946708" cy="946708"/>
@@ -19448,7 +19425,7 @@
             <p:nvPr/>
           </p:nvPicPr>
           <p:blipFill>
-            <a:blip r:embed="rId7"/>
+            <a:blip r:embed="rId6"/>
             <a:stretch>
               <a:fillRect/>
             </a:stretch>
@@ -19538,7 +19515,7 @@
           <p:nvPr/>
         </p:nvPicPr>
         <p:blipFill>
-          <a:blip r:embed="rId8"/>
+          <a:blip r:embed="rId7"/>
           <a:stretch>
             <a:fillRect/>
           </a:stretch>

--- a/bozza presentation.pptx
+++ b/bozza presentation.pptx
@@ -218,7 +218,7 @@
           <a:p>
             <a:fld id="{82713B94-02AB-E44F-97CC-3AAF7A632819}" type="datetimeFigureOut">
               <a:rPr lang="it-IT" smtClean="0"/>
-              <a:t>03/02/19</a:t>
+              <a:t>04/02/19</a:t>
             </a:fld>
             <a:endParaRPr lang="it-IT"/>
           </a:p>
@@ -5256,7 +5256,7 @@
           <a:p>
             <a:fld id="{B96E2279-029F-964F-A5B1-8676BDA67CCA}" type="datetimeFigureOut">
               <a:rPr lang="it-IT" smtClean="0"/>
-              <a:t>03/02/19</a:t>
+              <a:t>04/02/19</a:t>
             </a:fld>
             <a:endParaRPr lang="it-IT"/>
           </a:p>
@@ -5470,7 +5470,7 @@
           <a:p>
             <a:fld id="{B96E2279-029F-964F-A5B1-8676BDA67CCA}" type="datetimeFigureOut">
               <a:rPr lang="it-IT" smtClean="0"/>
-              <a:t>03/02/19</a:t>
+              <a:t>04/02/19</a:t>
             </a:fld>
             <a:endParaRPr lang="it-IT"/>
           </a:p>
@@ -10471,7 +10471,7 @@
           <a:p>
             <a:fld id="{B96E2279-029F-964F-A5B1-8676BDA67CCA}" type="datetimeFigureOut">
               <a:rPr lang="it-IT" smtClean="0"/>
-              <a:t>03/02/19</a:t>
+              <a:t>04/02/19</a:t>
             </a:fld>
             <a:endParaRPr lang="it-IT"/>
           </a:p>
@@ -10792,7 +10792,7 @@
           <a:p>
             <a:fld id="{B96E2279-029F-964F-A5B1-8676BDA67CCA}" type="datetimeFigureOut">
               <a:rPr lang="it-IT" smtClean="0"/>
-              <a:t>03/02/19</a:t>
+              <a:t>04/02/19</a:t>
             </a:fld>
             <a:endParaRPr lang="it-IT"/>
           </a:p>
@@ -11247,7 +11247,7 @@
           <a:p>
             <a:fld id="{B96E2279-029F-964F-A5B1-8676BDA67CCA}" type="datetimeFigureOut">
               <a:rPr lang="it-IT" smtClean="0"/>
-              <a:t>03/02/19</a:t>
+              <a:t>04/02/19</a:t>
             </a:fld>
             <a:endParaRPr lang="it-IT"/>
           </a:p>
@@ -11400,7 +11400,7 @@
           <a:p>
             <a:fld id="{B96E2279-029F-964F-A5B1-8676BDA67CCA}" type="datetimeFigureOut">
               <a:rPr lang="it-IT" smtClean="0"/>
-              <a:t>03/02/19</a:t>
+              <a:t>04/02/19</a:t>
             </a:fld>
             <a:endParaRPr lang="it-IT"/>
           </a:p>
@@ -11531,7 +11531,7 @@
           <a:p>
             <a:fld id="{B96E2279-029F-964F-A5B1-8676BDA67CCA}" type="datetimeFigureOut">
               <a:rPr lang="it-IT" smtClean="0"/>
-              <a:t>03/02/19</a:t>
+              <a:t>04/02/19</a:t>
             </a:fld>
             <a:endParaRPr lang="it-IT"/>
           </a:p>
@@ -11842,7 +11842,7 @@
           <a:p>
             <a:fld id="{B96E2279-029F-964F-A5B1-8676BDA67CCA}" type="datetimeFigureOut">
               <a:rPr lang="it-IT" smtClean="0"/>
-              <a:t>03/02/19</a:t>
+              <a:t>04/02/19</a:t>
             </a:fld>
             <a:endParaRPr lang="it-IT"/>
           </a:p>
@@ -12133,7 +12133,7 @@
           <a:p>
             <a:fld id="{B96E2279-029F-964F-A5B1-8676BDA67CCA}" type="datetimeFigureOut">
               <a:rPr lang="it-IT" smtClean="0"/>
-              <a:t>03/02/19</a:t>
+              <a:t>04/02/19</a:t>
             </a:fld>
             <a:endParaRPr lang="it-IT"/>
           </a:p>
@@ -19054,7 +19054,7 @@
             </a:endParaRPr>
           </a:p>
           <a:p>
-            <a:pPr marL="285750" indent="-285750">
+            <a:pPr marL="1428750" lvl="2">
               <a:buFont typeface="Arial" panose="020B0604020202020204" pitchFamily="34" charset="0"/>
               <a:buChar char="•"/>
             </a:pPr>
@@ -19222,10 +19222,10 @@
       </p:sp>
       <p:pic>
         <p:nvPicPr>
-          <p:cNvPr id="15" name="Picture 14" descr="A close up of a logo&#13;&#10;&#13;&#10;Description automatically generated">
+          <p:cNvPr id="21" name="Picture 20" descr="A picture containing vector graphics&#13;&#10;&#13;&#10;Description automatically generated">
             <a:extLst>
               <a:ext uri="{FF2B5EF4-FFF2-40B4-BE49-F238E27FC236}">
-                <a16:creationId xmlns:a16="http://schemas.microsoft.com/office/drawing/2014/main" id="{14E2575F-50D0-8F45-A3AA-BB65055E5F33}"/>
+                <a16:creationId xmlns:a16="http://schemas.microsoft.com/office/drawing/2014/main" id="{8375ECD6-F415-7F4B-ADBC-9AFBF39B9A74}"/>
               </a:ext>
             </a:extLst>
           </p:cNvPr>
@@ -19242,37 +19242,7 @@
         </p:blipFill>
         <p:spPr>
           <a:xfrm>
-            <a:off x="5983736" y="1838172"/>
-            <a:ext cx="1029990" cy="1029990"/>
-          </a:xfrm>
-          <a:prstGeom prst="rect">
-            <a:avLst/>
-          </a:prstGeom>
-        </p:spPr>
-      </p:pic>
-      <p:pic>
-        <p:nvPicPr>
-          <p:cNvPr id="21" name="Picture 20" descr="A picture containing vector graphics&#13;&#10;&#13;&#10;Description automatically generated">
-            <a:extLst>
-              <a:ext uri="{FF2B5EF4-FFF2-40B4-BE49-F238E27FC236}">
-                <a16:creationId xmlns:a16="http://schemas.microsoft.com/office/drawing/2014/main" id="{8375ECD6-F415-7F4B-ADBC-9AFBF39B9A74}"/>
-              </a:ext>
-            </a:extLst>
-          </p:cNvPr>
-          <p:cNvPicPr>
-            <a:picLocks noChangeAspect="1"/>
-          </p:cNvPicPr>
-          <p:nvPr/>
-        </p:nvPicPr>
-        <p:blipFill>
-          <a:blip r:embed="rId4"/>
-          <a:stretch>
-            <a:fillRect/>
-          </a:stretch>
-        </p:blipFill>
-        <p:spPr>
-          <a:xfrm>
-            <a:off x="5913642" y="3373267"/>
+            <a:off x="5989490" y="3455991"/>
             <a:ext cx="1207204" cy="1207204"/>
           </a:xfrm>
           <a:prstGeom prst="rect">
@@ -19315,7 +19285,7 @@
             <p:nvPr/>
           </p:nvPicPr>
           <p:blipFill>
-            <a:blip r:embed="rId5"/>
+            <a:blip r:embed="rId4"/>
             <a:stretch>
               <a:fillRect/>
             </a:stretch>
@@ -19425,7 +19395,7 @@
             <p:nvPr/>
           </p:nvPicPr>
           <p:blipFill>
-            <a:blip r:embed="rId6"/>
+            <a:blip r:embed="rId5"/>
             <a:stretch>
               <a:fillRect/>
             </a:stretch>
@@ -19515,7 +19485,7 @@
           <p:nvPr/>
         </p:nvPicPr>
         <p:blipFill>
-          <a:blip r:embed="rId7"/>
+          <a:blip r:embed="rId6"/>
           <a:stretch>
             <a:fillRect/>
           </a:stretch>
@@ -19524,6 +19494,36 @@
           <a:xfrm>
             <a:off x="7997161" y="137888"/>
             <a:ext cx="840400" cy="840400"/>
+          </a:xfrm>
+          <a:prstGeom prst="rect">
+            <a:avLst/>
+          </a:prstGeom>
+        </p:spPr>
+      </p:pic>
+      <p:pic>
+        <p:nvPicPr>
+          <p:cNvPr id="6" name="Picture 5" descr="A picture containing object&#13;&#10;&#13;&#10;Description automatically generated">
+            <a:extLst>
+              <a:ext uri="{FF2B5EF4-FFF2-40B4-BE49-F238E27FC236}">
+                <a16:creationId xmlns:a16="http://schemas.microsoft.com/office/drawing/2014/main" id="{EE2C8CB1-6A01-994D-8112-BD6C484349B0}"/>
+              </a:ext>
+            </a:extLst>
+          </p:cNvPr>
+          <p:cNvPicPr>
+            <a:picLocks noChangeAspect="1"/>
+          </p:cNvPicPr>
+          <p:nvPr/>
+        </p:nvPicPr>
+        <p:blipFill>
+          <a:blip r:embed="rId7"/>
+          <a:stretch>
+            <a:fillRect/>
+          </a:stretch>
+        </p:blipFill>
+        <p:spPr>
+          <a:xfrm>
+            <a:off x="4905422" y="1682433"/>
+            <a:ext cx="1358900" cy="1358900"/>
           </a:xfrm>
           <a:prstGeom prst="rect">
             <a:avLst/>

--- a/bozza presentation.pptx
+++ b/bozza presentation.pptx
@@ -218,7 +218,7 @@
           <a:p>
             <a:fld id="{82713B94-02AB-E44F-97CC-3AAF7A632819}" type="datetimeFigureOut">
               <a:rPr lang="it-IT" smtClean="0"/>
-              <a:t>04/02/19</a:t>
+              <a:t>04/02/2019</a:t>
             </a:fld>
             <a:endParaRPr lang="it-IT"/>
           </a:p>
@@ -377,7 +377,7 @@
           <a:p>
             <a:fld id="{5DB341C6-E1B9-8045-B1C6-C2F8BEDE690B}" type="slidenum">
               <a:rPr lang="it-IT" smtClean="0"/>
-              <a:t>‹#›</a:t>
+              <a:t>‹N›</a:t>
             </a:fld>
             <a:endParaRPr lang="it-IT"/>
           </a:p>
@@ -5256,7 +5256,7 @@
           <a:p>
             <a:fld id="{B96E2279-029F-964F-A5B1-8676BDA67CCA}" type="datetimeFigureOut">
               <a:rPr lang="it-IT" smtClean="0"/>
-              <a:t>04/02/19</a:t>
+              <a:t>04/02/2019</a:t>
             </a:fld>
             <a:endParaRPr lang="it-IT"/>
           </a:p>
@@ -5314,7 +5314,7 @@
           <a:p>
             <a:fld id="{7834947A-1B05-2B43-AD85-E646CE852B9E}" type="slidenum">
               <a:rPr lang="it-IT" smtClean="0"/>
-              <a:t>‹#›</a:t>
+              <a:t>‹N›</a:t>
             </a:fld>
             <a:endParaRPr lang="it-IT"/>
           </a:p>
@@ -5470,7 +5470,7 @@
           <a:p>
             <a:fld id="{B96E2279-029F-964F-A5B1-8676BDA67CCA}" type="datetimeFigureOut">
               <a:rPr lang="it-IT" smtClean="0"/>
-              <a:t>04/02/19</a:t>
+              <a:t>04/02/2019</a:t>
             </a:fld>
             <a:endParaRPr lang="it-IT"/>
           </a:p>
@@ -5528,7 +5528,7 @@
           <a:p>
             <a:fld id="{7834947A-1B05-2B43-AD85-E646CE852B9E}" type="slidenum">
               <a:rPr lang="it-IT" smtClean="0"/>
-              <a:t>‹#›</a:t>
+              <a:t>‹N›</a:t>
             </a:fld>
             <a:endParaRPr lang="it-IT"/>
           </a:p>
@@ -10471,7 +10471,7 @@
           <a:p>
             <a:fld id="{B96E2279-029F-964F-A5B1-8676BDA67CCA}" type="datetimeFigureOut">
               <a:rPr lang="it-IT" smtClean="0"/>
-              <a:t>04/02/19</a:t>
+              <a:t>04/02/2019</a:t>
             </a:fld>
             <a:endParaRPr lang="it-IT"/>
           </a:p>
@@ -10529,7 +10529,7 @@
           <a:p>
             <a:fld id="{7834947A-1B05-2B43-AD85-E646CE852B9E}" type="slidenum">
               <a:rPr lang="it-IT" smtClean="0"/>
-              <a:t>‹#›</a:t>
+              <a:t>‹N›</a:t>
             </a:fld>
             <a:endParaRPr lang="it-IT"/>
           </a:p>
@@ -10792,7 +10792,7 @@
           <a:p>
             <a:fld id="{B96E2279-029F-964F-A5B1-8676BDA67CCA}" type="datetimeFigureOut">
               <a:rPr lang="it-IT" smtClean="0"/>
-              <a:t>04/02/19</a:t>
+              <a:t>04/02/2019</a:t>
             </a:fld>
             <a:endParaRPr lang="it-IT"/>
           </a:p>
@@ -10850,7 +10850,7 @@
           <a:p>
             <a:fld id="{7834947A-1B05-2B43-AD85-E646CE852B9E}" type="slidenum">
               <a:rPr lang="it-IT" smtClean="0"/>
-              <a:t>‹#›</a:t>
+              <a:t>‹N›</a:t>
             </a:fld>
             <a:endParaRPr lang="it-IT"/>
           </a:p>
@@ -11247,7 +11247,7 @@
           <a:p>
             <a:fld id="{B96E2279-029F-964F-A5B1-8676BDA67CCA}" type="datetimeFigureOut">
               <a:rPr lang="it-IT" smtClean="0"/>
-              <a:t>04/02/19</a:t>
+              <a:t>04/02/2019</a:t>
             </a:fld>
             <a:endParaRPr lang="it-IT"/>
           </a:p>
@@ -11305,7 +11305,7 @@
           <a:p>
             <a:fld id="{7834947A-1B05-2B43-AD85-E646CE852B9E}" type="slidenum">
               <a:rPr lang="it-IT" smtClean="0"/>
-              <a:t>‹#›</a:t>
+              <a:t>‹N›</a:t>
             </a:fld>
             <a:endParaRPr lang="it-IT"/>
           </a:p>
@@ -11400,7 +11400,7 @@
           <a:p>
             <a:fld id="{B96E2279-029F-964F-A5B1-8676BDA67CCA}" type="datetimeFigureOut">
               <a:rPr lang="it-IT" smtClean="0"/>
-              <a:t>04/02/19</a:t>
+              <a:t>04/02/2019</a:t>
             </a:fld>
             <a:endParaRPr lang="it-IT"/>
           </a:p>
@@ -11458,7 +11458,7 @@
           <a:p>
             <a:fld id="{7834947A-1B05-2B43-AD85-E646CE852B9E}" type="slidenum">
               <a:rPr lang="it-IT" smtClean="0"/>
-              <a:t>‹#›</a:t>
+              <a:t>‹N›</a:t>
             </a:fld>
             <a:endParaRPr lang="it-IT"/>
           </a:p>
@@ -11531,7 +11531,7 @@
           <a:p>
             <a:fld id="{B96E2279-029F-964F-A5B1-8676BDA67CCA}" type="datetimeFigureOut">
               <a:rPr lang="it-IT" smtClean="0"/>
-              <a:t>04/02/19</a:t>
+              <a:t>04/02/2019</a:t>
             </a:fld>
             <a:endParaRPr lang="it-IT"/>
           </a:p>
@@ -11589,7 +11589,7 @@
           <a:p>
             <a:fld id="{7834947A-1B05-2B43-AD85-E646CE852B9E}" type="slidenum">
               <a:rPr lang="it-IT" smtClean="0"/>
-              <a:t>‹#›</a:t>
+              <a:t>‹N›</a:t>
             </a:fld>
             <a:endParaRPr lang="it-IT"/>
           </a:p>
@@ -11842,7 +11842,7 @@
           <a:p>
             <a:fld id="{B96E2279-029F-964F-A5B1-8676BDA67CCA}" type="datetimeFigureOut">
               <a:rPr lang="it-IT" smtClean="0"/>
-              <a:t>04/02/19</a:t>
+              <a:t>04/02/2019</a:t>
             </a:fld>
             <a:endParaRPr lang="it-IT"/>
           </a:p>
@@ -11900,7 +11900,7 @@
           <a:p>
             <a:fld id="{7834947A-1B05-2B43-AD85-E646CE852B9E}" type="slidenum">
               <a:rPr lang="it-IT" smtClean="0"/>
-              <a:t>‹#›</a:t>
+              <a:t>‹N›</a:t>
             </a:fld>
             <a:endParaRPr lang="it-IT"/>
           </a:p>
@@ -12133,7 +12133,7 @@
           <a:p>
             <a:fld id="{B96E2279-029F-964F-A5B1-8676BDA67CCA}" type="datetimeFigureOut">
               <a:rPr lang="it-IT" smtClean="0"/>
-              <a:t>04/02/19</a:t>
+              <a:t>04/02/2019</a:t>
             </a:fld>
             <a:endParaRPr lang="it-IT"/>
           </a:p>
@@ -12191,7 +12191,7 @@
           <a:p>
             <a:fld id="{7834947A-1B05-2B43-AD85-E646CE852B9E}" type="slidenum">
               <a:rPr lang="it-IT" smtClean="0"/>
-              <a:t>‹#›</a:t>
+              <a:t>‹N›</a:t>
             </a:fld>
             <a:endParaRPr lang="it-IT"/>
           </a:p>
@@ -13205,7 +13205,13 @@
               <a:rPr lang="it-IT" sz="3600" dirty="0">
                 <a:latin typeface="Century Schoolbook" panose="02040604050505020304" pitchFamily="18" charset="0"/>
               </a:rPr>
-              <a:t>Miglioramenti futuri</a:t>
+              <a:t>Future </a:t>
+            </a:r>
+            <a:r>
+              <a:rPr lang="it-IT" sz="3600" dirty="0" err="1">
+                <a:latin typeface="Century Schoolbook" panose="02040604050505020304" pitchFamily="18" charset="0"/>
+              </a:rPr>
+              <a:t>improvements</a:t>
             </a:r>
             <a:endParaRPr lang="en-GB" sz="3600" dirty="0">
               <a:latin typeface="Century Schoolbook" panose="02040604050505020304" pitchFamily="18" charset="0"/>
@@ -13266,7 +13272,7 @@
       </p:sp>
       <p:pic>
         <p:nvPicPr>
-          <p:cNvPr id="9" name="Content Placeholder 8" descr="A close up of a sign&#13;&#10;&#13;&#10;Description automatically generated">
+          <p:cNvPr id="9" name="Content Placeholder 8" descr="A close up of a sign&#10;&#10;Description automatically generated">
             <a:extLst>
               <a:ext uri="{FF2B5EF4-FFF2-40B4-BE49-F238E27FC236}">
                 <a16:creationId xmlns:a16="http://schemas.microsoft.com/office/drawing/2014/main" id="{334458B5-DA98-BD41-9EF8-5A362FB90D4F}"/>
@@ -13547,7 +13553,7 @@
       </p:sp>
       <p:pic>
         <p:nvPicPr>
-          <p:cNvPr id="13" name="Picture 12" descr="A close up of a logo&#13;&#10;&#13;&#10;Description automatically generated">
+          <p:cNvPr id="13" name="Picture 12" descr="A close up of a logo&#10;&#10;Description automatically generated">
             <a:extLst>
               <a:ext uri="{FF2B5EF4-FFF2-40B4-BE49-F238E27FC236}">
                 <a16:creationId xmlns:a16="http://schemas.microsoft.com/office/drawing/2014/main" id="{2863F45F-12D7-1040-8C47-C85EA40F96CF}"/>
@@ -13749,10 +13755,75 @@
               <a:buChar char="q"/>
             </a:pPr>
             <a:r>
+              <a:rPr lang="it-IT" sz="2800" dirty="0" err="1">
+                <a:latin typeface="Century Schoolbook" panose="02040604050505020304" pitchFamily="18" charset="0"/>
+              </a:rPr>
+              <a:t>Manage</a:t>
+            </a:r>
+            <a:r>
               <a:rPr lang="it-IT" sz="2800" dirty="0">
                 <a:latin typeface="Century Schoolbook" panose="02040604050505020304" pitchFamily="18" charset="0"/>
               </a:rPr>
-              <a:t>Gestire durata delle note</a:t>
+              <a:t> note duration</a:t>
+            </a:r>
+          </a:p>
+          <a:p>
+            <a:pPr marL="457200" indent="-457200">
+              <a:lnSpc>
+                <a:spcPct val="200000"/>
+              </a:lnSpc>
+              <a:buSzPct val="80000"/>
+              <a:buFont typeface="Wingdings" pitchFamily="2" charset="2"/>
+              <a:buChar char="q"/>
+            </a:pPr>
+            <a:r>
+              <a:rPr lang="it-IT" sz="2800" dirty="0" err="1">
+                <a:latin typeface="Century Schoolbook" panose="02040604050505020304" pitchFamily="18" charset="0"/>
+              </a:rPr>
+              <a:t>Possibility</a:t>
+            </a:r>
+            <a:r>
+              <a:rPr lang="it-IT" sz="2800" dirty="0">
+                <a:latin typeface="Century Schoolbook" panose="02040604050505020304" pitchFamily="18" charset="0"/>
+              </a:rPr>
+              <a:t> to </a:t>
+            </a:r>
+            <a:r>
+              <a:rPr lang="it-IT" sz="2800" dirty="0" err="1">
+                <a:latin typeface="Century Schoolbook" panose="02040604050505020304" pitchFamily="18" charset="0"/>
+              </a:rPr>
+              <a:t>choose</a:t>
+            </a:r>
+            <a:r>
+              <a:rPr lang="it-IT" sz="2800" dirty="0">
+                <a:latin typeface="Century Schoolbook" panose="02040604050505020304" pitchFamily="18" charset="0"/>
+              </a:rPr>
+              <a:t> game </a:t>
+            </a:r>
+            <a:r>
+              <a:rPr lang="it-IT" sz="2800" dirty="0" err="1">
+                <a:latin typeface="Century Schoolbook" panose="02040604050505020304" pitchFamily="18" charset="0"/>
+              </a:rPr>
+              <a:t>velocity</a:t>
+            </a:r>
+            <a:endParaRPr lang="it-IT" sz="2800" dirty="0">
+              <a:latin typeface="Century Schoolbook" panose="02040604050505020304" pitchFamily="18" charset="0"/>
+            </a:endParaRPr>
+          </a:p>
+          <a:p>
+            <a:pPr marL="457200" indent="-457200">
+              <a:lnSpc>
+                <a:spcPct val="200000"/>
+              </a:lnSpc>
+              <a:buSzPct val="80000"/>
+              <a:buFont typeface="Wingdings" pitchFamily="2" charset="2"/>
+              <a:buChar char="q"/>
+            </a:pPr>
+            <a:r>
+              <a:rPr lang="it-IT" sz="2800" dirty="0">
+                <a:latin typeface="Century Schoolbook" panose="02040604050505020304" pitchFamily="18" charset="0"/>
+              </a:rPr>
+              <a:t>Save personal points and settings of users</a:t>
             </a:r>
           </a:p>
           <a:p>
@@ -13768,61 +13839,8 @@
               <a:rPr lang="it-IT" sz="2800" dirty="0">
                 <a:latin typeface="Century Schoolbook" panose="02040604050505020304" pitchFamily="18" charset="0"/>
               </a:rPr>
-              <a:t>Selezionare velocità di gioco</a:t>
+              <a:t>Play from smartphone and tablet</a:t>
             </a:r>
-          </a:p>
-          <a:p>
-            <a:pPr marL="457200" indent="-457200">
-              <a:lnSpc>
-                <a:spcPct val="200000"/>
-              </a:lnSpc>
-              <a:buSzPct val="80000"/>
-              <a:buFont typeface="Wingdings" pitchFamily="2" charset="2"/>
-              <a:buChar char="q"/>
-            </a:pPr>
-            <a:r>
-              <a:rPr lang="it-IT" sz="2800" dirty="0">
-                <a:latin typeface="Century Schoolbook" panose="02040604050505020304" pitchFamily="18" charset="0"/>
-              </a:rPr>
-              <a:t>Salvare punteggi e impostazioni degli utenti</a:t>
-            </a:r>
-          </a:p>
-          <a:p>
-            <a:pPr marL="457200" indent="-457200">
-              <a:lnSpc>
-                <a:spcPct val="200000"/>
-              </a:lnSpc>
-              <a:buSzPct val="80000"/>
-              <a:buFont typeface="Wingdings" pitchFamily="2" charset="2"/>
-              <a:buChar char="q"/>
-            </a:pPr>
-            <a:r>
-              <a:rPr lang="it-IT" sz="2800" dirty="0">
-                <a:latin typeface="Century Schoolbook" panose="02040604050505020304" pitchFamily="18" charset="0"/>
-              </a:rPr>
-              <a:t>Giocare da </a:t>
-            </a:r>
-            <a:r>
-              <a:rPr lang="it-IT" sz="2800" dirty="0" err="1">
-                <a:latin typeface="Century Schoolbook" panose="02040604050505020304" pitchFamily="18" charset="0"/>
-              </a:rPr>
-              <a:t>smartphone</a:t>
-            </a:r>
-            <a:r>
-              <a:rPr lang="it-IT" sz="2800" dirty="0">
-                <a:latin typeface="Century Schoolbook" panose="02040604050505020304" pitchFamily="18" charset="0"/>
-              </a:rPr>
-              <a:t> e </a:t>
-            </a:r>
-            <a:r>
-              <a:rPr lang="it-IT" sz="2800" dirty="0" err="1">
-                <a:latin typeface="Century Schoolbook" panose="02040604050505020304" pitchFamily="18" charset="0"/>
-              </a:rPr>
-              <a:t>tablet</a:t>
-            </a:r>
-            <a:endParaRPr lang="it-IT" sz="2800" dirty="0">
-              <a:latin typeface="Century Schoolbook" panose="02040604050505020304" pitchFamily="18" charset="0"/>
-            </a:endParaRPr>
           </a:p>
         </p:txBody>
       </p:sp>
@@ -18278,200 +18296,295 @@
           </p:style>
         </p:cxnSp>
       </p:grpSp>
-      <p:sp>
-        <p:nvSpPr>
-          <p:cNvPr id="132" name="Sottotitolo 2">
-            <a:extLst>
-              <a:ext uri="{FF2B5EF4-FFF2-40B4-BE49-F238E27FC236}">
-                <a16:creationId xmlns:a16="http://schemas.microsoft.com/office/drawing/2014/main" id="{328CCC4B-B30E-4C4D-823F-A7E6F0BB4B85}"/>
-              </a:ext>
-            </a:extLst>
-          </p:cNvPr>
-          <p:cNvSpPr txBox="1">
-            <a:spLocks/>
-          </p:cNvSpPr>
-          <p:nvPr/>
-        </p:nvSpPr>
-        <p:spPr>
-          <a:xfrm>
-            <a:off x="3328655" y="5899017"/>
-            <a:ext cx="2562654" cy="530800"/>
-          </a:xfrm>
-          <a:prstGeom prst="rect">
-            <a:avLst/>
-          </a:prstGeom>
-        </p:spPr>
-        <p:txBody>
-          <a:bodyPr/>
-          <a:lstStyle>
-            <a:lvl1pPr marL="0" indent="0" algn="l" defTabSz="457200" rtl="0" eaLnBrk="1" latinLnBrk="0" hangingPunct="1">
-              <a:spcBef>
-                <a:spcPct val="20000"/>
-              </a:spcBef>
-              <a:buFont typeface="Wingdings" charset="2"/>
-              <a:buNone/>
-              <a:defRPr sz="2200" kern="1200">
-                <a:solidFill>
-                  <a:schemeClr val="tx1">
-                    <a:tint val="75000"/>
-                  </a:schemeClr>
-                </a:solidFill>
-                <a:latin typeface="Arial"/>
-                <a:ea typeface="+mn-ea"/>
-                <a:cs typeface="Arial"/>
-              </a:defRPr>
-            </a:lvl1pPr>
-            <a:lvl2pPr marL="457200" indent="0" algn="ctr" defTabSz="457200" rtl="0" eaLnBrk="1" latinLnBrk="0" hangingPunct="1">
-              <a:spcBef>
-                <a:spcPct val="20000"/>
-              </a:spcBef>
-              <a:buFont typeface="Arial"/>
-              <a:buNone/>
-              <a:defRPr sz="2200" kern="1200">
-                <a:solidFill>
-                  <a:schemeClr val="tx1">
-                    <a:tint val="75000"/>
-                  </a:schemeClr>
-                </a:solidFill>
-                <a:latin typeface="Arial"/>
-                <a:ea typeface="+mn-ea"/>
-                <a:cs typeface="Arial"/>
-              </a:defRPr>
-            </a:lvl2pPr>
-            <a:lvl3pPr marL="914400" indent="0" algn="ctr" defTabSz="457200" rtl="0" eaLnBrk="1" latinLnBrk="0" hangingPunct="1">
-              <a:spcBef>
-                <a:spcPct val="20000"/>
-              </a:spcBef>
-              <a:buFont typeface="Arial"/>
-              <a:buNone/>
-              <a:defRPr sz="2200" kern="1200">
-                <a:solidFill>
-                  <a:schemeClr val="tx1">
-                    <a:tint val="75000"/>
-                  </a:schemeClr>
-                </a:solidFill>
-                <a:latin typeface="Arial"/>
-                <a:ea typeface="+mn-ea"/>
-                <a:cs typeface="Arial"/>
-              </a:defRPr>
-            </a:lvl3pPr>
-            <a:lvl4pPr marL="1371600" indent="0" algn="ctr" defTabSz="457200" rtl="0" eaLnBrk="1" latinLnBrk="0" hangingPunct="1">
-              <a:spcBef>
-                <a:spcPct val="20000"/>
-              </a:spcBef>
-              <a:buFont typeface="Arial"/>
-              <a:buNone/>
-              <a:defRPr sz="2200" kern="1200">
-                <a:solidFill>
-                  <a:schemeClr val="tx1">
-                    <a:tint val="75000"/>
-                  </a:schemeClr>
-                </a:solidFill>
-                <a:latin typeface="Arial"/>
-                <a:ea typeface="+mn-ea"/>
-                <a:cs typeface="Arial"/>
-              </a:defRPr>
-            </a:lvl4pPr>
-            <a:lvl5pPr marL="1828800" indent="0" algn="ctr" defTabSz="457200" rtl="0" eaLnBrk="1" latinLnBrk="0" hangingPunct="1">
-              <a:spcBef>
-                <a:spcPct val="20000"/>
-              </a:spcBef>
-              <a:buFont typeface="Arial"/>
-              <a:buNone/>
-              <a:defRPr sz="2200" kern="1200">
-                <a:solidFill>
-                  <a:schemeClr val="tx1">
-                    <a:tint val="75000"/>
-                  </a:schemeClr>
-                </a:solidFill>
-                <a:latin typeface="Arial"/>
-                <a:ea typeface="+mn-ea"/>
-                <a:cs typeface="Arial"/>
-              </a:defRPr>
-            </a:lvl5pPr>
-            <a:lvl6pPr marL="2286000" indent="0" algn="ctr" defTabSz="457200" rtl="0" eaLnBrk="1" latinLnBrk="0" hangingPunct="1">
-              <a:spcBef>
-                <a:spcPct val="20000"/>
-              </a:spcBef>
-              <a:buFont typeface="Arial"/>
-              <a:buNone/>
-              <a:defRPr sz="2000" kern="1200">
-                <a:solidFill>
-                  <a:schemeClr val="tx1">
-                    <a:tint val="75000"/>
-                  </a:schemeClr>
-                </a:solidFill>
-                <a:latin typeface="+mn-lt"/>
-                <a:ea typeface="+mn-ea"/>
-                <a:cs typeface="+mn-cs"/>
-              </a:defRPr>
-            </a:lvl6pPr>
-            <a:lvl7pPr marL="2743200" indent="0" algn="ctr" defTabSz="457200" rtl="0" eaLnBrk="1" latinLnBrk="0" hangingPunct="1">
-              <a:spcBef>
-                <a:spcPct val="20000"/>
-              </a:spcBef>
-              <a:buFont typeface="Arial"/>
-              <a:buNone/>
-              <a:defRPr sz="2000" kern="1200">
-                <a:solidFill>
-                  <a:schemeClr val="tx1">
-                    <a:tint val="75000"/>
-                  </a:schemeClr>
-                </a:solidFill>
-                <a:latin typeface="+mn-lt"/>
-                <a:ea typeface="+mn-ea"/>
-                <a:cs typeface="+mn-cs"/>
-              </a:defRPr>
-            </a:lvl7pPr>
-            <a:lvl8pPr marL="3200400" indent="0" algn="ctr" defTabSz="457200" rtl="0" eaLnBrk="1" latinLnBrk="0" hangingPunct="1">
-              <a:spcBef>
-                <a:spcPct val="20000"/>
-              </a:spcBef>
-              <a:buFont typeface="Arial"/>
-              <a:buNone/>
-              <a:defRPr sz="2000" kern="1200">
-                <a:solidFill>
-                  <a:schemeClr val="tx1">
-                    <a:tint val="75000"/>
-                  </a:schemeClr>
-                </a:solidFill>
-                <a:latin typeface="+mn-lt"/>
-                <a:ea typeface="+mn-ea"/>
-                <a:cs typeface="+mn-cs"/>
-              </a:defRPr>
-            </a:lvl8pPr>
-            <a:lvl9pPr marL="3657600" indent="0" algn="ctr" defTabSz="457200" rtl="0" eaLnBrk="1" latinLnBrk="0" hangingPunct="1">
-              <a:spcBef>
-                <a:spcPct val="20000"/>
-              </a:spcBef>
-              <a:buFont typeface="Arial"/>
-              <a:buNone/>
-              <a:defRPr sz="2000" kern="1200">
-                <a:solidFill>
-                  <a:schemeClr val="tx1">
-                    <a:tint val="75000"/>
-                  </a:schemeClr>
-                </a:solidFill>
-                <a:latin typeface="+mn-lt"/>
-                <a:ea typeface="+mn-ea"/>
-                <a:cs typeface="+mn-cs"/>
-              </a:defRPr>
-            </a:lvl9pPr>
-          </a:lstStyle>
-          <a:p>
-            <a:pPr algn="ctr"/>
-            <a:r>
-              <a:rPr lang="it-IT" sz="1800" dirty="0">
-                <a:solidFill>
-                  <a:srgbClr val="738FA4"/>
-                </a:solidFill>
-                <a:latin typeface="Century Schoolbook" panose="02040604050505020304" pitchFamily="18" charset="0"/>
-              </a:rPr>
-              <a:t>6 febbraio 2019</a:t>
-            </a:r>
-          </a:p>
-        </p:txBody>
-      </p:sp>
+      <mc:AlternateContent xmlns:mc="http://schemas.openxmlformats.org/markup-compatibility/2006">
+        <mc:Choice xmlns:a14="http://schemas.microsoft.com/office/drawing/2010/main" Requires="a14">
+          <p:sp>
+            <p:nvSpPr>
+              <p:cNvPr id="132" name="Sottotitolo 2">
+                <a:extLst>
+                  <a:ext uri="{FF2B5EF4-FFF2-40B4-BE49-F238E27FC236}">
+                    <a16:creationId xmlns:a16="http://schemas.microsoft.com/office/drawing/2014/main" id="{328CCC4B-B30E-4C4D-823F-A7E6F0BB4B85}"/>
+                  </a:ext>
+                </a:extLst>
+              </p:cNvPr>
+              <p:cNvSpPr txBox="1">
+                <a:spLocks/>
+              </p:cNvSpPr>
+              <p:nvPr/>
+            </p:nvSpPr>
+            <p:spPr>
+              <a:xfrm>
+                <a:off x="3328655" y="5899017"/>
+                <a:ext cx="2562654" cy="530800"/>
+              </a:xfrm>
+              <a:prstGeom prst="rect">
+                <a:avLst/>
+              </a:prstGeom>
+            </p:spPr>
+            <p:txBody>
+              <a:bodyPr/>
+              <a:lstStyle>
+                <a:lvl1pPr marL="0" indent="0" algn="l" defTabSz="457200" rtl="0" eaLnBrk="1" latinLnBrk="0" hangingPunct="1">
+                  <a:spcBef>
+                    <a:spcPct val="20000"/>
+                  </a:spcBef>
+                  <a:buFont typeface="Wingdings" charset="2"/>
+                  <a:buNone/>
+                  <a:defRPr sz="2200" kern="1200">
+                    <a:solidFill>
+                      <a:schemeClr val="tx1">
+                        <a:tint val="75000"/>
+                      </a:schemeClr>
+                    </a:solidFill>
+                    <a:latin typeface="Arial"/>
+                    <a:ea typeface="+mn-ea"/>
+                    <a:cs typeface="Arial"/>
+                  </a:defRPr>
+                </a:lvl1pPr>
+                <a:lvl2pPr marL="457200" indent="0" algn="ctr" defTabSz="457200" rtl="0" eaLnBrk="1" latinLnBrk="0" hangingPunct="1">
+                  <a:spcBef>
+                    <a:spcPct val="20000"/>
+                  </a:spcBef>
+                  <a:buFont typeface="Arial"/>
+                  <a:buNone/>
+                  <a:defRPr sz="2200" kern="1200">
+                    <a:solidFill>
+                      <a:schemeClr val="tx1">
+                        <a:tint val="75000"/>
+                      </a:schemeClr>
+                    </a:solidFill>
+                    <a:latin typeface="Arial"/>
+                    <a:ea typeface="+mn-ea"/>
+                    <a:cs typeface="Arial"/>
+                  </a:defRPr>
+                </a:lvl2pPr>
+                <a:lvl3pPr marL="914400" indent="0" algn="ctr" defTabSz="457200" rtl="0" eaLnBrk="1" latinLnBrk="0" hangingPunct="1">
+                  <a:spcBef>
+                    <a:spcPct val="20000"/>
+                  </a:spcBef>
+                  <a:buFont typeface="Arial"/>
+                  <a:buNone/>
+                  <a:defRPr sz="2200" kern="1200">
+                    <a:solidFill>
+                      <a:schemeClr val="tx1">
+                        <a:tint val="75000"/>
+                      </a:schemeClr>
+                    </a:solidFill>
+                    <a:latin typeface="Arial"/>
+                    <a:ea typeface="+mn-ea"/>
+                    <a:cs typeface="Arial"/>
+                  </a:defRPr>
+                </a:lvl3pPr>
+                <a:lvl4pPr marL="1371600" indent="0" algn="ctr" defTabSz="457200" rtl="0" eaLnBrk="1" latinLnBrk="0" hangingPunct="1">
+                  <a:spcBef>
+                    <a:spcPct val="20000"/>
+                  </a:spcBef>
+                  <a:buFont typeface="Arial"/>
+                  <a:buNone/>
+                  <a:defRPr sz="2200" kern="1200">
+                    <a:solidFill>
+                      <a:schemeClr val="tx1">
+                        <a:tint val="75000"/>
+                      </a:schemeClr>
+                    </a:solidFill>
+                    <a:latin typeface="Arial"/>
+                    <a:ea typeface="+mn-ea"/>
+                    <a:cs typeface="Arial"/>
+                  </a:defRPr>
+                </a:lvl4pPr>
+                <a:lvl5pPr marL="1828800" indent="0" algn="ctr" defTabSz="457200" rtl="0" eaLnBrk="1" latinLnBrk="0" hangingPunct="1">
+                  <a:spcBef>
+                    <a:spcPct val="20000"/>
+                  </a:spcBef>
+                  <a:buFont typeface="Arial"/>
+                  <a:buNone/>
+                  <a:defRPr sz="2200" kern="1200">
+                    <a:solidFill>
+                      <a:schemeClr val="tx1">
+                        <a:tint val="75000"/>
+                      </a:schemeClr>
+                    </a:solidFill>
+                    <a:latin typeface="Arial"/>
+                    <a:ea typeface="+mn-ea"/>
+                    <a:cs typeface="Arial"/>
+                  </a:defRPr>
+                </a:lvl5pPr>
+                <a:lvl6pPr marL="2286000" indent="0" algn="ctr" defTabSz="457200" rtl="0" eaLnBrk="1" latinLnBrk="0" hangingPunct="1">
+                  <a:spcBef>
+                    <a:spcPct val="20000"/>
+                  </a:spcBef>
+                  <a:buFont typeface="Arial"/>
+                  <a:buNone/>
+                  <a:defRPr sz="2000" kern="1200">
+                    <a:solidFill>
+                      <a:schemeClr val="tx1">
+                        <a:tint val="75000"/>
+                      </a:schemeClr>
+                    </a:solidFill>
+                    <a:latin typeface="+mn-lt"/>
+                    <a:ea typeface="+mn-ea"/>
+                    <a:cs typeface="+mn-cs"/>
+                  </a:defRPr>
+                </a:lvl6pPr>
+                <a:lvl7pPr marL="2743200" indent="0" algn="ctr" defTabSz="457200" rtl="0" eaLnBrk="1" latinLnBrk="0" hangingPunct="1">
+                  <a:spcBef>
+                    <a:spcPct val="20000"/>
+                  </a:spcBef>
+                  <a:buFont typeface="Arial"/>
+                  <a:buNone/>
+                  <a:defRPr sz="2000" kern="1200">
+                    <a:solidFill>
+                      <a:schemeClr val="tx1">
+                        <a:tint val="75000"/>
+                      </a:schemeClr>
+                    </a:solidFill>
+                    <a:latin typeface="+mn-lt"/>
+                    <a:ea typeface="+mn-ea"/>
+                    <a:cs typeface="+mn-cs"/>
+                  </a:defRPr>
+                </a:lvl7pPr>
+                <a:lvl8pPr marL="3200400" indent="0" algn="ctr" defTabSz="457200" rtl="0" eaLnBrk="1" latinLnBrk="0" hangingPunct="1">
+                  <a:spcBef>
+                    <a:spcPct val="20000"/>
+                  </a:spcBef>
+                  <a:buFont typeface="Arial"/>
+                  <a:buNone/>
+                  <a:defRPr sz="2000" kern="1200">
+                    <a:solidFill>
+                      <a:schemeClr val="tx1">
+                        <a:tint val="75000"/>
+                      </a:schemeClr>
+                    </a:solidFill>
+                    <a:latin typeface="+mn-lt"/>
+                    <a:ea typeface="+mn-ea"/>
+                    <a:cs typeface="+mn-cs"/>
+                  </a:defRPr>
+                </a:lvl8pPr>
+                <a:lvl9pPr marL="3657600" indent="0" algn="ctr" defTabSz="457200" rtl="0" eaLnBrk="1" latinLnBrk="0" hangingPunct="1">
+                  <a:spcBef>
+                    <a:spcPct val="20000"/>
+                  </a:spcBef>
+                  <a:buFont typeface="Arial"/>
+                  <a:buNone/>
+                  <a:defRPr sz="2000" kern="1200">
+                    <a:solidFill>
+                      <a:schemeClr val="tx1">
+                        <a:tint val="75000"/>
+                      </a:schemeClr>
+                    </a:solidFill>
+                    <a:latin typeface="+mn-lt"/>
+                    <a:ea typeface="+mn-ea"/>
+                    <a:cs typeface="+mn-cs"/>
+                  </a:defRPr>
+                </a:lvl9pPr>
+              </a:lstStyle>
+              <a:p>
+                <a:pPr algn="ctr"/>
+                <a:r>
+                  <a:rPr lang="it-IT" sz="1800" dirty="0">
+                    <a:solidFill>
+                      <a:srgbClr val="738FA4"/>
+                    </a:solidFill>
+                    <a:latin typeface="Century Schoolbook" panose="02040604050505020304" pitchFamily="18" charset="0"/>
+                  </a:rPr>
+                  <a:t>February </a:t>
+                </a:r>
+                <a14:m>
+                  <m:oMath xmlns:m="http://schemas.openxmlformats.org/officeDocument/2006/math">
+                    <m:sSup>
+                      <m:sSupPr>
+                        <m:ctrlPr>
+                          <a:rPr lang="it-IT" sz="1800" i="1" smtClean="0">
+                            <a:solidFill>
+                              <a:srgbClr val="738FA4"/>
+                            </a:solidFill>
+                            <a:latin typeface="Cambria Math" panose="02040503050406030204" pitchFamily="18" charset="0"/>
+                          </a:rPr>
+                        </m:ctrlPr>
+                      </m:sSupPr>
+                      <m:e>
+                        <m:r>
+                          <a:rPr lang="en-US" sz="1800" b="0" i="1" smtClean="0">
+                            <a:solidFill>
+                              <a:srgbClr val="738FA4"/>
+                            </a:solidFill>
+                            <a:latin typeface="Cambria Math" panose="02040503050406030204" pitchFamily="18" charset="0"/>
+                          </a:rPr>
+                          <m:t>6</m:t>
+                        </m:r>
+                      </m:e>
+                      <m:sup>
+                        <m:r>
+                          <a:rPr lang="en-US" sz="1800" b="0" i="1" smtClean="0">
+                            <a:solidFill>
+                              <a:srgbClr val="738FA4"/>
+                            </a:solidFill>
+                            <a:latin typeface="Cambria Math" panose="02040503050406030204" pitchFamily="18" charset="0"/>
+                          </a:rPr>
+                          <m:t>𝑡h</m:t>
+                        </m:r>
+                      </m:sup>
+                    </m:sSup>
+                  </m:oMath>
+                </a14:m>
+                <a:r>
+                  <a:rPr lang="it-IT" sz="1800" dirty="0">
+                    <a:solidFill>
+                      <a:srgbClr val="738FA4"/>
+                    </a:solidFill>
+                    <a:latin typeface="Century Schoolbook" panose="02040604050505020304" pitchFamily="18" charset="0"/>
+                  </a:rPr>
+                  <a:t>, 2019</a:t>
+                </a:r>
+              </a:p>
+            </p:txBody>
+          </p:sp>
+        </mc:Choice>
+        <mc:Fallback>
+          <p:sp>
+            <p:nvSpPr>
+              <p:cNvPr id="132" name="Sottotitolo 2">
+                <a:extLst>
+                  <a:ext uri="{FF2B5EF4-FFF2-40B4-BE49-F238E27FC236}">
+                    <a16:creationId xmlns:a16="http://schemas.microsoft.com/office/drawing/2014/main" id="{328CCC4B-B30E-4C4D-823F-A7E6F0BB4B85}"/>
+                  </a:ext>
+                </a:extLst>
+              </p:cNvPr>
+              <p:cNvSpPr txBox="1">
+                <a:spLocks noRot="1" noChangeAspect="1" noMove="1" noResize="1" noEditPoints="1" noAdjustHandles="1" noChangeArrowheads="1" noChangeShapeType="1" noTextEdit="1"/>
+              </p:cNvSpPr>
+              <p:nvPr/>
+            </p:nvSpPr>
+            <p:spPr>
+              <a:xfrm>
+                <a:off x="3328655" y="5899017"/>
+                <a:ext cx="2562654" cy="530800"/>
+              </a:xfrm>
+              <a:prstGeom prst="rect">
+                <a:avLst/>
+              </a:prstGeom>
+              <a:blipFill>
+                <a:blip r:embed="rId3"/>
+                <a:stretch>
+                  <a:fillRect t="-6897"/>
+                </a:stretch>
+              </a:blipFill>
+            </p:spPr>
+            <p:txBody>
+              <a:bodyPr/>
+              <a:lstStyle/>
+              <a:p>
+                <a:r>
+                  <a:rPr lang="en-US">
+                    <a:noFill/>
+                  </a:rPr>
+                  <a:t> </a:t>
+                </a:r>
+              </a:p>
+            </p:txBody>
+          </p:sp>
+        </mc:Fallback>
+      </mc:AlternateContent>
       <p:sp>
         <p:nvSpPr>
           <p:cNvPr id="133" name="Titolo 1">
@@ -18601,16 +18714,40 @@
               <a:t>: </a:t>
             </a:r>
             <a:r>
+              <a:rPr lang="it-IT" sz="3600" dirty="0" err="1">
+                <a:latin typeface="Century Schoolbook" panose="02040604050505020304" pitchFamily="18" charset="0"/>
+              </a:rPr>
+              <a:t>what</a:t>
+            </a:r>
+            <a:r>
               <a:rPr lang="it-IT" sz="3600" dirty="0">
                 <a:latin typeface="Century Schoolbook" panose="02040604050505020304" pitchFamily="18" charset="0"/>
               </a:rPr>
-              <a:t>cos’è</a:t>
+              <a:t> </a:t>
+            </a:r>
+            <a:r>
+              <a:rPr lang="it-IT" sz="3600" dirty="0" err="1">
+                <a:latin typeface="Century Schoolbook" panose="02040604050505020304" pitchFamily="18" charset="0"/>
+              </a:rPr>
+              <a:t>is</a:t>
+            </a:r>
+            <a:r>
+              <a:rPr lang="it-IT" sz="3600" dirty="0">
+                <a:latin typeface="Century Schoolbook" panose="02040604050505020304" pitchFamily="18" charset="0"/>
+              </a:rPr>
+              <a:t> </a:t>
+            </a:r>
+            <a:r>
+              <a:rPr lang="it-IT" sz="3600" dirty="0" err="1">
+                <a:latin typeface="Century Schoolbook" panose="02040604050505020304" pitchFamily="18" charset="0"/>
+              </a:rPr>
+              <a:t>it</a:t>
             </a:r>
             <a:r>
               <a:rPr lang="en-GB" sz="3600" dirty="0">
                 <a:latin typeface="Century Schoolbook" panose="02040604050505020304" pitchFamily="18" charset="0"/>
               </a:rPr>
-              <a:t> ?</a:t>
+              <a:t>?</a:t>
             </a:r>
             <a:endParaRPr lang="en-GB" sz="2800" dirty="0">
               <a:latin typeface="Century Schoolbook" panose="02040604050505020304" pitchFamily="18" charset="0"/>
@@ -18671,7 +18808,7 @@
       </p:sp>
       <p:pic>
         <p:nvPicPr>
-          <p:cNvPr id="9" name="Content Placeholder 8" descr="A close up of a sign&#13;&#10;&#13;&#10;Description automatically generated">
+          <p:cNvPr id="9" name="Content Placeholder 8" descr="A close up of a sign&#10;&#10;Description automatically generated">
             <a:extLst>
               <a:ext uri="{FF2B5EF4-FFF2-40B4-BE49-F238E27FC236}">
                 <a16:creationId xmlns:a16="http://schemas.microsoft.com/office/drawing/2014/main" id="{334458B5-DA98-BD41-9EF8-5A362FB90D4F}"/>
@@ -19031,7 +19168,13 @@
               <a:rPr lang="it-IT" sz="3200" dirty="0">
                 <a:latin typeface="Century Schoolbook" panose="02040604050505020304" pitchFamily="18" charset="0"/>
               </a:rPr>
-              <a:t>Gioco didattico</a:t>
+              <a:t>Musical </a:t>
+            </a:r>
+            <a:r>
+              <a:rPr lang="it-IT" sz="3200" dirty="0" err="1">
+                <a:latin typeface="Century Schoolbook" panose="02040604050505020304" pitchFamily="18" charset="0"/>
+              </a:rPr>
+              <a:t>didactic</a:t>
             </a:r>
             <a:br>
               <a:rPr lang="it-IT" sz="3200" dirty="0">
@@ -19042,7 +19185,7 @@
               <a:rPr lang="it-IT" sz="3200" dirty="0">
                 <a:latin typeface="Century Schoolbook" panose="02040604050505020304" pitchFamily="18" charset="0"/>
               </a:rPr>
-              <a:t>musicale</a:t>
+              <a:t>game</a:t>
             </a:r>
             <a:br>
               <a:rPr lang="it-IT" sz="2400" dirty="0">
@@ -19073,13 +19216,7 @@
               <a:rPr lang="it-IT" sz="2000" dirty="0">
                 <a:latin typeface="Century Schoolbook" panose="02040604050505020304" pitchFamily="18" charset="0"/>
               </a:rPr>
-              <a:t>browser </a:t>
-            </a:r>
-            <a:r>
-              <a:rPr lang="it-IT" sz="2000" dirty="0" err="1">
-                <a:latin typeface="Century Schoolbook" panose="02040604050505020304" pitchFamily="18" charset="0"/>
-              </a:rPr>
-              <a:t>Chrome</a:t>
+              <a:t>browser Chrome</a:t>
             </a:r>
             <a:endParaRPr lang="it-IT" sz="2800" dirty="0">
               <a:latin typeface="Century Schoolbook" panose="02040604050505020304" pitchFamily="18" charset="0"/>
@@ -19103,19 +19240,17 @@
               <a:rPr lang="it-IT" dirty="0">
                 <a:latin typeface="Century Schoolbook" panose="02040604050505020304" pitchFamily="18" charset="0"/>
               </a:rPr>
-              <a:t>Nessun download</a:t>
+              <a:t>No download </a:t>
             </a:r>
-            <a:br>
-              <a:rPr lang="it-IT" dirty="0">
+            <a:r>
+              <a:rPr lang="it-IT" dirty="0" err="1">
                 <a:latin typeface="Century Schoolbook" panose="02040604050505020304" pitchFamily="18" charset="0"/>
               </a:rPr>
-            </a:br>
-            <a:r>
-              <a:rPr lang="it-IT" dirty="0">
-                <a:latin typeface="Century Schoolbook" panose="02040604050505020304" pitchFamily="18" charset="0"/>
-              </a:rPr>
-              <a:t>necessario</a:t>
+              <a:t>required</a:t>
             </a:r>
+            <a:endParaRPr lang="it-IT" dirty="0">
+              <a:latin typeface="Century Schoolbook" panose="02040604050505020304" pitchFamily="18" charset="0"/>
+            </a:endParaRPr>
           </a:p>
         </p:txBody>
       </p:sp>
@@ -19222,7 +19357,7 @@
       </p:sp>
       <p:pic>
         <p:nvPicPr>
-          <p:cNvPr id="21" name="Picture 20" descr="A picture containing vector graphics&#13;&#10;&#13;&#10;Description automatically generated">
+          <p:cNvPr id="21" name="Picture 20" descr="A picture containing vector graphics&#10;&#10;Description automatically generated">
             <a:extLst>
               <a:ext uri="{FF2B5EF4-FFF2-40B4-BE49-F238E27FC236}">
                 <a16:creationId xmlns:a16="http://schemas.microsoft.com/office/drawing/2014/main" id="{8375ECD6-F415-7F4B-ADBC-9AFBF39B9A74}"/>
@@ -19272,7 +19407,7 @@
         </p:grpSpPr>
         <p:pic>
           <p:nvPicPr>
-            <p:cNvPr id="27" name="Picture 26" descr="A close up of a sign&#13;&#10;&#13;&#10;Description automatically generated">
+            <p:cNvPr id="27" name="Picture 26" descr="A close up of a sign&#10;&#10;Description automatically generated">
               <a:extLst>
                 <a:ext uri="{FF2B5EF4-FFF2-40B4-BE49-F238E27FC236}">
                   <a16:creationId xmlns:a16="http://schemas.microsoft.com/office/drawing/2014/main" id="{23859648-DB62-AD46-8F9F-A512E3D30374}"/>
@@ -19472,7 +19607,7 @@
       </p:grpSp>
       <p:pic>
         <p:nvPicPr>
-          <p:cNvPr id="40" name="Picture 39" descr="A close up of a logo&#13;&#10;&#13;&#10;Description automatically generated">
+          <p:cNvPr id="40" name="Picture 39" descr="A close up of a logo&#10;&#10;Description automatically generated">
             <a:extLst>
               <a:ext uri="{FF2B5EF4-FFF2-40B4-BE49-F238E27FC236}">
                 <a16:creationId xmlns:a16="http://schemas.microsoft.com/office/drawing/2014/main" id="{5B8DBB35-19A1-4541-BFA4-FAA9A9C091DB}"/>
@@ -19502,7 +19637,7 @@
       </p:pic>
       <p:pic>
         <p:nvPicPr>
-          <p:cNvPr id="6" name="Picture 5" descr="A picture containing object&#13;&#10;&#13;&#10;Description automatically generated">
+          <p:cNvPr id="6" name="Picture 5" descr="A picture containing object&#10;&#10;Description automatically generated">
             <a:extLst>
               <a:ext uri="{FF2B5EF4-FFF2-40B4-BE49-F238E27FC236}">
                 <a16:creationId xmlns:a16="http://schemas.microsoft.com/office/drawing/2014/main" id="{EE2C8CB1-6A01-994D-8112-BD6C484349B0}"/>
@@ -19590,10 +19725,10 @@
           <a:lstStyle/>
           <a:p>
             <a:r>
-              <a:rPr lang="it-IT" sz="3600" dirty="0">
+              <a:rPr lang="it-IT" sz="3600" dirty="0" err="1">
                 <a:latin typeface="Century Schoolbook" panose="02040604050505020304" pitchFamily="18" charset="0"/>
               </a:rPr>
-              <a:t>Obiettivi</a:t>
+              <a:t>Goals</a:t>
             </a:r>
             <a:endParaRPr lang="en-GB" sz="3600" dirty="0">
               <a:latin typeface="Century Schoolbook" panose="02040604050505020304" pitchFamily="18" charset="0"/>
@@ -19654,7 +19789,7 @@
       </p:sp>
       <p:pic>
         <p:nvPicPr>
-          <p:cNvPr id="9" name="Content Placeholder 8" descr="A close up of a sign&#13;&#10;&#13;&#10;Description automatically generated">
+          <p:cNvPr id="9" name="Content Placeholder 8" descr="A close up of a sign&#10;&#10;Description automatically generated">
             <a:extLst>
               <a:ext uri="{FF2B5EF4-FFF2-40B4-BE49-F238E27FC236}">
                 <a16:creationId xmlns:a16="http://schemas.microsoft.com/office/drawing/2014/main" id="{334458B5-DA98-BD41-9EF8-5A362FB90D4F}"/>
@@ -19935,7 +20070,7 @@
       </p:sp>
       <p:pic>
         <p:nvPicPr>
-          <p:cNvPr id="13" name="Picture 12" descr="A close up of a logo&#13;&#10;&#13;&#10;Description automatically generated">
+          <p:cNvPr id="13" name="Picture 12" descr="A close up of a logo&#10;&#10;Description automatically generated">
             <a:extLst>
               <a:ext uri="{FF2B5EF4-FFF2-40B4-BE49-F238E27FC236}">
                 <a16:creationId xmlns:a16="http://schemas.microsoft.com/office/drawing/2014/main" id="{A13A6C09-496D-2849-B39A-493E01FB9354}"/>
@@ -20137,10 +20272,22 @@
               <a:buChar char="q"/>
             </a:pPr>
             <a:r>
+              <a:rPr lang="it-IT" sz="3600" dirty="0" err="1">
+                <a:latin typeface="Century Schoolbook" panose="02040604050505020304" pitchFamily="18" charset="0"/>
+              </a:rPr>
+              <a:t>Have</a:t>
+            </a:r>
+            <a:r>
               <a:rPr lang="it-IT" sz="3600" dirty="0">
                 <a:latin typeface="Century Schoolbook" panose="02040604050505020304" pitchFamily="18" charset="0"/>
               </a:rPr>
-              <a:t>Divertire</a:t>
+              <a:t> </a:t>
+            </a:r>
+            <a:r>
+              <a:rPr lang="it-IT" sz="3600" dirty="0" err="1">
+                <a:latin typeface="Century Schoolbook" panose="02040604050505020304" pitchFamily="18" charset="0"/>
+              </a:rPr>
+              <a:t>fun</a:t>
             </a:r>
             <a:endParaRPr lang="it-IT" sz="2800" dirty="0">
               <a:latin typeface="Century Schoolbook" panose="02040604050505020304" pitchFamily="18" charset="0"/>
@@ -20169,10 +20316,84 @@
               <a:buChar char="q"/>
             </a:pPr>
             <a:r>
+              <a:rPr lang="it-IT" sz="2800" dirty="0" err="1">
+                <a:latin typeface="Century Schoolbook" panose="02040604050505020304" pitchFamily="18" charset="0"/>
+              </a:rPr>
+              <a:t>Recognize</a:t>
+            </a:r>
+            <a:r>
               <a:rPr lang="it-IT" sz="2800" dirty="0">
                 <a:latin typeface="Century Schoolbook" panose="02040604050505020304" pitchFamily="18" charset="0"/>
               </a:rPr>
-              <a:t>Riconoscere le scale modali</a:t>
+              <a:t> </a:t>
+            </a:r>
+            <a:r>
+              <a:rPr lang="it-IT" sz="2800" dirty="0" err="1">
+                <a:latin typeface="Century Schoolbook" panose="02040604050505020304" pitchFamily="18" charset="0"/>
+              </a:rPr>
+              <a:t>modal</a:t>
+            </a:r>
+            <a:r>
+              <a:rPr lang="it-IT" sz="2800" dirty="0">
+                <a:latin typeface="Century Schoolbook" panose="02040604050505020304" pitchFamily="18" charset="0"/>
+              </a:rPr>
+              <a:t> </a:t>
+            </a:r>
+            <a:r>
+              <a:rPr lang="it-IT" sz="2800" dirty="0" err="1">
+                <a:latin typeface="Century Schoolbook" panose="02040604050505020304" pitchFamily="18" charset="0"/>
+              </a:rPr>
+              <a:t>scales</a:t>
+            </a:r>
+            <a:endParaRPr lang="it-IT" sz="2800" dirty="0">
+              <a:latin typeface="Century Schoolbook" panose="02040604050505020304" pitchFamily="18" charset="0"/>
+            </a:endParaRPr>
+          </a:p>
+          <a:p>
+            <a:pPr marL="457200" indent="-457200">
+              <a:lnSpc>
+                <a:spcPct val="150000"/>
+              </a:lnSpc>
+              <a:buSzPct val="80000"/>
+              <a:buFont typeface="Wingdings" pitchFamily="2" charset="2"/>
+              <a:buChar char="q"/>
+            </a:pPr>
+            <a:r>
+              <a:rPr lang="it-IT" sz="2800" dirty="0" err="1">
+                <a:latin typeface="Century Schoolbook" panose="02040604050505020304" pitchFamily="18" charset="0"/>
+              </a:rPr>
+              <a:t>Sing</a:t>
+            </a:r>
+            <a:r>
+              <a:rPr lang="it-IT" sz="2800" dirty="0">
+                <a:latin typeface="Century Schoolbook" panose="02040604050505020304" pitchFamily="18" charset="0"/>
+              </a:rPr>
+              <a:t> musical </a:t>
+            </a:r>
+            <a:r>
+              <a:rPr lang="it-IT" sz="2800" dirty="0" err="1">
+                <a:latin typeface="Century Schoolbook" panose="02040604050505020304" pitchFamily="18" charset="0"/>
+              </a:rPr>
+              <a:t>intervals</a:t>
+            </a:r>
+            <a:endParaRPr lang="it-IT" sz="2800" dirty="0">
+              <a:latin typeface="Century Schoolbook" panose="02040604050505020304" pitchFamily="18" charset="0"/>
+            </a:endParaRPr>
+          </a:p>
+          <a:p>
+            <a:pPr marL="457200" indent="-457200">
+              <a:lnSpc>
+                <a:spcPct val="150000"/>
+              </a:lnSpc>
+              <a:buSzPct val="80000"/>
+              <a:buFont typeface="Wingdings" pitchFamily="2" charset="2"/>
+              <a:buChar char="q"/>
+            </a:pPr>
+            <a:r>
+              <a:rPr lang="it-IT" sz="2800" dirty="0">
+                <a:latin typeface="Century Schoolbook" panose="02040604050505020304" pitchFamily="18" charset="0"/>
+              </a:rPr>
+              <a:t>Train the relative pitch</a:t>
             </a:r>
           </a:p>
           <a:p>
@@ -20188,39 +20409,37 @@
               <a:rPr lang="it-IT" sz="2800" dirty="0">
                 <a:latin typeface="Century Schoolbook" panose="02040604050505020304" pitchFamily="18" charset="0"/>
               </a:rPr>
-              <a:t>Cantare gli intervalli</a:t>
+              <a:t>Associate </a:t>
             </a:r>
-          </a:p>
-          <a:p>
-            <a:pPr marL="457200" indent="-457200">
-              <a:lnSpc>
-                <a:spcPct val="150000"/>
-              </a:lnSpc>
-              <a:buSzPct val="80000"/>
-              <a:buFont typeface="Wingdings" pitchFamily="2" charset="2"/>
-              <a:buChar char="q"/>
-            </a:pPr>
+            <a:r>
+              <a:rPr lang="it-IT" sz="2800" dirty="0" err="1">
+                <a:latin typeface="Century Schoolbook" panose="02040604050505020304" pitchFamily="18" charset="0"/>
+              </a:rPr>
+              <a:t>modes</a:t>
+            </a:r>
             <a:r>
               <a:rPr lang="it-IT" sz="2800" dirty="0">
                 <a:latin typeface="Century Schoolbook" panose="02040604050505020304" pitchFamily="18" charset="0"/>
               </a:rPr>
-              <a:t>Allenare l’orecchio relativo</a:t>
+              <a:t> to </a:t>
             </a:r>
-          </a:p>
-          <a:p>
-            <a:pPr marL="457200" indent="-457200">
-              <a:lnSpc>
-                <a:spcPct val="150000"/>
-              </a:lnSpc>
-              <a:buSzPct val="80000"/>
-              <a:buFont typeface="Wingdings" pitchFamily="2" charset="2"/>
-              <a:buChar char="q"/>
-            </a:pPr>
+            <a:r>
+              <a:rPr lang="it-IT" sz="2800" dirty="0" err="1">
+                <a:latin typeface="Century Schoolbook" panose="02040604050505020304" pitchFamily="18" charset="0"/>
+              </a:rPr>
+              <a:t>their</a:t>
+            </a:r>
             <a:r>
               <a:rPr lang="it-IT" sz="2800" dirty="0">
                 <a:latin typeface="Century Schoolbook" panose="02040604050505020304" pitchFamily="18" charset="0"/>
               </a:rPr>
-              <a:t>Associare i modi alla loro brillantezza</a:t>
+              <a:t> </a:t>
+            </a:r>
+            <a:r>
+              <a:rPr lang="it-IT" sz="2800" dirty="0" err="1">
+                <a:latin typeface="Century Schoolbook" panose="02040604050505020304" pitchFamily="18" charset="0"/>
+              </a:rPr>
+              <a:t>brilliance</a:t>
             </a:r>
             <a:br>
               <a:rPr lang="it-IT" sz="2800" dirty="0">
@@ -20385,7 +20604,7 @@
       </p:pic>
       <p:pic>
         <p:nvPicPr>
-          <p:cNvPr id="20" name="Picture 19" descr="A picture containing pool ball&#13;&#10;&#13;&#10;Description automatically generated">
+          <p:cNvPr id="20" name="Picture 19" descr="A picture containing pool ball&#10;&#10;Description automatically generated">
             <a:extLst>
               <a:ext uri="{FF2B5EF4-FFF2-40B4-BE49-F238E27FC236}">
                 <a16:creationId xmlns:a16="http://schemas.microsoft.com/office/drawing/2014/main" id="{C6098E09-A130-A246-8860-77D32EC55031}"/>
@@ -20491,10 +20710,22 @@
               <a:t>: </a:t>
             </a:r>
             <a:r>
+              <a:rPr lang="it-IT" sz="3600" dirty="0" err="1">
+                <a:latin typeface="Century Schoolbook" panose="02040604050505020304" pitchFamily="18" charset="0"/>
+              </a:rPr>
+              <a:t>modal</a:t>
+            </a:r>
+            <a:r>
               <a:rPr lang="it-IT" sz="3600" dirty="0">
                 <a:latin typeface="Century Schoolbook" panose="02040604050505020304" pitchFamily="18" charset="0"/>
               </a:rPr>
-              <a:t>scale modali</a:t>
+              <a:t> </a:t>
+            </a:r>
+            <a:r>
+              <a:rPr lang="it-IT" sz="3600" dirty="0" err="1">
+                <a:latin typeface="Century Schoolbook" panose="02040604050505020304" pitchFamily="18" charset="0"/>
+              </a:rPr>
+              <a:t>scales</a:t>
             </a:r>
             <a:endParaRPr lang="en-GB" sz="3600" dirty="0">
               <a:latin typeface="Century Schoolbook" panose="02040604050505020304" pitchFamily="18" charset="0"/>
@@ -20555,7 +20786,7 @@
       </p:sp>
       <p:pic>
         <p:nvPicPr>
-          <p:cNvPr id="9" name="Content Placeholder 8" descr="A close up of a sign&#13;&#10;&#13;&#10;Description automatically generated">
+          <p:cNvPr id="9" name="Content Placeholder 8" descr="A close up of a sign&#10;&#10;Description automatically generated">
             <a:extLst>
               <a:ext uri="{FF2B5EF4-FFF2-40B4-BE49-F238E27FC236}">
                 <a16:creationId xmlns:a16="http://schemas.microsoft.com/office/drawing/2014/main" id="{334458B5-DA98-BD41-9EF8-5A362FB90D4F}"/>
@@ -20836,7 +21067,7 @@
       </p:sp>
       <p:pic>
         <p:nvPicPr>
-          <p:cNvPr id="13" name="Picture 12" descr="A close up of a logo&#13;&#10;&#13;&#10;Description automatically generated">
+          <p:cNvPr id="13" name="Picture 12" descr="A close up of a logo&#10;&#10;Description automatically generated">
             <a:extLst>
               <a:ext uri="{FF2B5EF4-FFF2-40B4-BE49-F238E27FC236}">
                 <a16:creationId xmlns:a16="http://schemas.microsoft.com/office/drawing/2014/main" id="{2EAAC62C-5F4F-C94E-A4F8-EE9C7EED2DD1}"/>
@@ -20866,7 +21097,7 @@
       </p:pic>
       <p:pic>
         <p:nvPicPr>
-          <p:cNvPr id="15" name="Picture 14" descr="A picture containing music, piano&#13;&#10;&#13;&#10;Description automatically generated">
+          <p:cNvPr id="15" name="Picture 14" descr="A picture containing music, piano&#10;&#10;Description automatically generated">
             <a:extLst>
               <a:ext uri="{FF2B5EF4-FFF2-40B4-BE49-F238E27FC236}">
                 <a16:creationId xmlns:a16="http://schemas.microsoft.com/office/drawing/2014/main" id="{B7150995-93CB-6A41-A6B8-152E4499ED19}"/>
@@ -23080,8 +23311,8 @@
         </p:nvSpPr>
         <p:spPr>
           <a:xfrm rot="16200000">
-            <a:off x="241137" y="4465688"/>
-            <a:ext cx="846707" cy="369332"/>
+            <a:off x="243542" y="4465688"/>
+            <a:ext cx="841897" cy="369332"/>
           </a:xfrm>
           <a:prstGeom prst="rect">
             <a:avLst/>
@@ -23095,11 +23326,14 @@
           <a:lstStyle/>
           <a:p>
             <a:r>
-              <a:rPr lang="it-IT" dirty="0">
+              <a:rPr lang="it-IT" dirty="0" err="1">
                 <a:latin typeface="Century Schoolbook" panose="02040604050505020304" pitchFamily="18" charset="0"/>
               </a:rPr>
-              <a:t>chiaro</a:t>
+              <a:t>bright</a:t>
             </a:r>
+            <a:endParaRPr lang="it-IT" dirty="0">
+              <a:latin typeface="Century Schoolbook" panose="02040604050505020304" pitchFamily="18" charset="0"/>
+            </a:endParaRPr>
           </a:p>
         </p:txBody>
       </p:sp>
@@ -23117,8 +23351,8 @@
         </p:nvSpPr>
         <p:spPr>
           <a:xfrm rot="5400000">
-            <a:off x="7841136" y="4465688"/>
-            <a:ext cx="753732" cy="369332"/>
+            <a:off x="7875600" y="4465688"/>
+            <a:ext cx="684803" cy="369332"/>
           </a:xfrm>
           <a:prstGeom prst="rect">
             <a:avLst/>
@@ -23135,7 +23369,7 @@
               <a:rPr lang="it-IT" dirty="0">
                 <a:latin typeface="Century Schoolbook" panose="02040604050505020304" pitchFamily="18" charset="0"/>
               </a:rPr>
-              <a:t>scuro</a:t>
+              <a:t>dark</a:t>
             </a:r>
           </a:p>
         </p:txBody>
@@ -23200,22 +23434,16 @@
           <a:lstStyle/>
           <a:p>
             <a:r>
-              <a:rPr lang="it-IT" sz="2800" dirty="0" err="1">
-                <a:latin typeface="Century Schoolbook" panose="02040604050505020304" pitchFamily="18" charset="0"/>
-              </a:rPr>
-              <a:t>Workflow</a:t>
-            </a:r>
-            <a:r>
               <a:rPr lang="it-IT" sz="2800" dirty="0">
                 <a:latin typeface="Century Schoolbook" panose="02040604050505020304" pitchFamily="18" charset="0"/>
               </a:rPr>
-              <a:t>:</a:t>
+              <a:t>Workflow:</a:t>
             </a:r>
             <a:r>
               <a:rPr lang="it-IT" sz="3600" dirty="0">
                 <a:latin typeface="Century Schoolbook" panose="02040604050505020304" pitchFamily="18" charset="0"/>
               </a:rPr>
-              <a:t> impostazioni</a:t>
+              <a:t> settings</a:t>
             </a:r>
             <a:endParaRPr lang="en-GB" sz="3600" dirty="0">
               <a:latin typeface="Century Schoolbook" panose="02040604050505020304" pitchFamily="18" charset="0"/>
@@ -23276,7 +23504,7 @@
       </p:sp>
       <p:pic>
         <p:nvPicPr>
-          <p:cNvPr id="9" name="Content Placeholder 8" descr="A close up of a sign&#13;&#10;&#13;&#10;Description automatically generated">
+          <p:cNvPr id="9" name="Content Placeholder 8" descr="A close up of a sign&#10;&#10;Description automatically generated">
             <a:extLst>
               <a:ext uri="{FF2B5EF4-FFF2-40B4-BE49-F238E27FC236}">
                 <a16:creationId xmlns:a16="http://schemas.microsoft.com/office/drawing/2014/main" id="{334458B5-DA98-BD41-9EF8-5A362FB90D4F}"/>
@@ -23509,7 +23737,7 @@
       </p:sp>
       <p:pic>
         <p:nvPicPr>
-          <p:cNvPr id="13" name="Picture 12" descr="A close up of a logo&#13;&#10;&#13;&#10;Description automatically generated">
+          <p:cNvPr id="13" name="Picture 12" descr="A close up of a logo&#10;&#10;Description automatically generated">
             <a:extLst>
               <a:ext uri="{FF2B5EF4-FFF2-40B4-BE49-F238E27FC236}">
                 <a16:creationId xmlns:a16="http://schemas.microsoft.com/office/drawing/2014/main" id="{1C6959D9-7DF3-614A-BECA-8E70128EA3D9}"/>
@@ -23539,7 +23767,7 @@
       </p:pic>
       <p:pic>
         <p:nvPicPr>
-          <p:cNvPr id="6" name="Picture 5" descr="A screenshot of a cell phone&#13;&#10;&#13;&#10;Description automatically generated">
+          <p:cNvPr id="6" name="Picture 5" descr="A screenshot of a cell phone&#10;&#10;Description automatically generated">
             <a:extLst>
               <a:ext uri="{FF2B5EF4-FFF2-40B4-BE49-F238E27FC236}">
                 <a16:creationId xmlns:a16="http://schemas.microsoft.com/office/drawing/2014/main" id="{4704808D-1F6B-C248-942B-FDBA71FD5CDD}"/>
@@ -23581,7 +23809,7 @@
       </p:pic>
       <p:pic>
         <p:nvPicPr>
-          <p:cNvPr id="14" name="Picture 13" descr="A screenshot of a cell phone&#13;&#10;&#13;&#10;Description automatically generated">
+          <p:cNvPr id="14" name="Picture 13" descr="A screenshot of a cell phone&#10;&#10;Description automatically generated">
             <a:extLst>
               <a:ext uri="{FF2B5EF4-FFF2-40B4-BE49-F238E27FC236}">
                 <a16:creationId xmlns:a16="http://schemas.microsoft.com/office/drawing/2014/main" id="{6838289C-BB54-6F4C-A947-3EE6416B6B9F}"/>
@@ -23799,22 +24027,16 @@
           <a:lstStyle/>
           <a:p>
             <a:r>
-              <a:rPr lang="it-IT" sz="2800" dirty="0" err="1">
-                <a:latin typeface="Century Schoolbook" panose="02040604050505020304" pitchFamily="18" charset="0"/>
-              </a:rPr>
-              <a:t>Workflow</a:t>
-            </a:r>
-            <a:r>
               <a:rPr lang="it-IT" sz="2800" dirty="0">
                 <a:latin typeface="Century Schoolbook" panose="02040604050505020304" pitchFamily="18" charset="0"/>
               </a:rPr>
-              <a:t>:</a:t>
+              <a:t>Workflow:</a:t>
             </a:r>
             <a:r>
               <a:rPr lang="it-IT" sz="3600" dirty="0">
                 <a:latin typeface="Century Schoolbook" panose="02040604050505020304" pitchFamily="18" charset="0"/>
               </a:rPr>
-              <a:t> gioca</a:t>
+              <a:t> play</a:t>
             </a:r>
             <a:endParaRPr lang="en-GB" sz="3600" dirty="0">
               <a:latin typeface="Century Schoolbook" panose="02040604050505020304" pitchFamily="18" charset="0"/>
@@ -23875,7 +24097,7 @@
       </p:sp>
       <p:pic>
         <p:nvPicPr>
-          <p:cNvPr id="9" name="Content Placeholder 8" descr="A close up of a sign&#13;&#10;&#13;&#10;Description automatically generated">
+          <p:cNvPr id="9" name="Content Placeholder 8" descr="A close up of a sign&#10;&#10;Description automatically generated">
             <a:extLst>
               <a:ext uri="{FF2B5EF4-FFF2-40B4-BE49-F238E27FC236}">
                 <a16:creationId xmlns:a16="http://schemas.microsoft.com/office/drawing/2014/main" id="{334458B5-DA98-BD41-9EF8-5A362FB90D4F}"/>
@@ -24007,7 +24229,7 @@
       </p:sp>
       <p:pic>
         <p:nvPicPr>
-          <p:cNvPr id="13" name="Picture 12" descr="A close up of a logo&#13;&#10;&#13;&#10;Description automatically generated">
+          <p:cNvPr id="13" name="Picture 12" descr="A close up of a logo&#10;&#10;Description automatically generated">
             <a:extLst>
               <a:ext uri="{FF2B5EF4-FFF2-40B4-BE49-F238E27FC236}">
                 <a16:creationId xmlns:a16="http://schemas.microsoft.com/office/drawing/2014/main" id="{1C6959D9-7DF3-614A-BECA-8E70128EA3D9}"/>
@@ -24121,7 +24343,7 @@
       </p:pic>
       <p:pic>
         <p:nvPicPr>
-          <p:cNvPr id="22" name="Picture 21" descr="A screenshot of a cell phone&#13;&#10;&#13;&#10;Description automatically generated">
+          <p:cNvPr id="22" name="Picture 21" descr="A screenshot of a cell phone&#10;&#10;Description automatically generated">
             <a:extLst>
               <a:ext uri="{FF2B5EF4-FFF2-40B4-BE49-F238E27FC236}">
                 <a16:creationId xmlns:a16="http://schemas.microsoft.com/office/drawing/2014/main" id="{6E12BB9B-0E62-044F-9111-19D90B06D85E}"/>
@@ -24177,7 +24399,7 @@
         </p:nvSpPr>
         <p:spPr>
           <a:xfrm>
-            <a:off x="3749041" y="192090"/>
+            <a:off x="3500461" y="192090"/>
             <a:ext cx="3083560" cy="840400"/>
           </a:xfrm>
           <a:prstGeom prst="rect">
@@ -24239,7 +24461,7 @@
         </p:nvSpPr>
         <p:spPr>
           <a:xfrm>
-            <a:off x="3742438" y="192090"/>
+            <a:off x="3493858" y="192090"/>
             <a:ext cx="3083560" cy="840400"/>
           </a:xfrm>
           <a:prstGeom prst="rect">
@@ -24295,7 +24517,7 @@
         </p:nvSpPr>
         <p:spPr>
           <a:xfrm>
-            <a:off x="3735835" y="197846"/>
+            <a:off x="3496133" y="197846"/>
             <a:ext cx="3083560" cy="840400"/>
           </a:xfrm>
           <a:prstGeom prst="rect">
@@ -24747,16 +24969,28 @@
           <a:lstStyle/>
           <a:p>
             <a:r>
+              <a:rPr lang="it-IT" sz="2800" dirty="0" err="1">
+                <a:latin typeface="Century Schoolbook" panose="02040604050505020304" pitchFamily="18" charset="0"/>
+              </a:rPr>
+              <a:t>Implementation</a:t>
+            </a:r>
+            <a:r>
               <a:rPr lang="it-IT" sz="2800" dirty="0">
                 <a:latin typeface="Century Schoolbook" panose="02040604050505020304" pitchFamily="18" charset="0"/>
               </a:rPr>
-              <a:t>Implementazione:</a:t>
+              <a:t>:</a:t>
             </a:r>
             <a:r>
               <a:rPr lang="it-IT" sz="3600" dirty="0">
                 <a:latin typeface="Century Schoolbook" panose="02040604050505020304" pitchFamily="18" charset="0"/>
               </a:rPr>
-              <a:t> moduli</a:t>
+              <a:t> </a:t>
+            </a:r>
+            <a:r>
+              <a:rPr lang="it-IT" sz="3600" dirty="0" err="1">
+                <a:latin typeface="Century Schoolbook" panose="02040604050505020304" pitchFamily="18" charset="0"/>
+              </a:rPr>
+              <a:t>modules</a:t>
             </a:r>
             <a:endParaRPr lang="en-GB" sz="3600" dirty="0">
               <a:latin typeface="Century Schoolbook" panose="02040604050505020304" pitchFamily="18" charset="0"/>
@@ -24817,7 +25051,7 @@
       </p:sp>
       <p:pic>
         <p:nvPicPr>
-          <p:cNvPr id="9" name="Content Placeholder 8" descr="A close up of a sign&#13;&#10;&#13;&#10;Description automatically generated">
+          <p:cNvPr id="9" name="Content Placeholder 8" descr="A close up of a sign&#10;&#10;Description automatically generated">
             <a:extLst>
               <a:ext uri="{FF2B5EF4-FFF2-40B4-BE49-F238E27FC236}">
                 <a16:creationId xmlns:a16="http://schemas.microsoft.com/office/drawing/2014/main" id="{334458B5-DA98-BD41-9EF8-5A362FB90D4F}"/>
@@ -25098,7 +25332,7 @@
       </p:sp>
       <p:pic>
         <p:nvPicPr>
-          <p:cNvPr id="13" name="Picture 12" descr="A close up of a logo&#13;&#10;&#13;&#10;Description automatically generated">
+          <p:cNvPr id="13" name="Picture 12" descr="A close up of a logo&#10;&#10;Description automatically generated">
             <a:extLst>
               <a:ext uri="{FF2B5EF4-FFF2-40B4-BE49-F238E27FC236}">
                 <a16:creationId xmlns:a16="http://schemas.microsoft.com/office/drawing/2014/main" id="{BA1DBF59-8671-F649-832E-7A251C4D63EE}"/>
@@ -25215,16 +25449,22 @@
           <a:lstStyle/>
           <a:p>
             <a:r>
+              <a:rPr lang="it-IT" sz="2800" dirty="0" err="1">
+                <a:latin typeface="Century Schoolbook" panose="02040604050505020304" pitchFamily="18" charset="0"/>
+              </a:rPr>
+              <a:t>Implementation</a:t>
+            </a:r>
+            <a:r>
               <a:rPr lang="it-IT" sz="2800" dirty="0">
                 <a:latin typeface="Century Schoolbook" panose="02040604050505020304" pitchFamily="18" charset="0"/>
               </a:rPr>
-              <a:t>Implementazione: </a:t>
+              <a:t>: </a:t>
             </a:r>
             <a:r>
               <a:rPr lang="it-IT" sz="3600" dirty="0">
                 <a:latin typeface="Century Schoolbook" panose="02040604050505020304" pitchFamily="18" charset="0"/>
               </a:rPr>
-              <a:t>librerie</a:t>
+              <a:t>libraries</a:t>
             </a:r>
             <a:endParaRPr lang="en-GB" sz="3600" dirty="0">
               <a:latin typeface="Century Schoolbook" panose="02040604050505020304" pitchFamily="18" charset="0"/>
@@ -25285,7 +25525,7 @@
       </p:sp>
       <p:pic>
         <p:nvPicPr>
-          <p:cNvPr id="9" name="Content Placeholder 8" descr="A close up of a sign&#13;&#10;&#13;&#10;Description automatically generated">
+          <p:cNvPr id="9" name="Content Placeholder 8" descr="A close up of a sign&#10;&#10;Description automatically generated">
             <a:extLst>
               <a:ext uri="{FF2B5EF4-FFF2-40B4-BE49-F238E27FC236}">
                 <a16:creationId xmlns:a16="http://schemas.microsoft.com/office/drawing/2014/main" id="{334458B5-DA98-BD41-9EF8-5A362FB90D4F}"/>
@@ -25566,7 +25806,7 @@
       </p:sp>
       <p:pic>
         <p:nvPicPr>
-          <p:cNvPr id="13" name="Picture 12" descr="A close up of a logo&#13;&#10;&#13;&#10;Description automatically generated">
+          <p:cNvPr id="13" name="Picture 12" descr="A close up of a logo&#10;&#10;Description automatically generated">
             <a:extLst>
               <a:ext uri="{FF2B5EF4-FFF2-40B4-BE49-F238E27FC236}">
                 <a16:creationId xmlns:a16="http://schemas.microsoft.com/office/drawing/2014/main" id="{C4318A9D-C23E-BF49-AF63-24E1687244B5}"/>
@@ -25609,7 +25849,7 @@
           <p:nvPr>
             <p:extLst>
               <p:ext uri="{D42A27DB-BD31-4B8C-83A1-F6EECF244321}">
-                <p14:modId xmlns:p14="http://schemas.microsoft.com/office/powerpoint/2010/main" val="2266297165"/>
+                <p14:modId xmlns:p14="http://schemas.microsoft.com/office/powerpoint/2010/main" val="574281996"/>
               </p:ext>
             </p:extLst>
           </p:nvPr>
@@ -25665,7 +25905,7 @@
                         <a:rPr lang="it-IT" sz="2000" dirty="0">
                           <a:latin typeface="Century Schoolbook" panose="02040604050505020304" pitchFamily="18" charset="0"/>
                         </a:rPr>
-                        <a:t>Libreria</a:t>
+                        <a:t>Library</a:t>
                       </a:r>
                     </a:p>
                   </a:txBody>
@@ -25681,8 +25921,39 @@
                         <a:rPr lang="it-IT" sz="2000" dirty="0">
                           <a:latin typeface="Century Schoolbook" panose="02040604050505020304" pitchFamily="18" charset="0"/>
                         </a:rPr>
-                        <a:t>Produttore</a:t>
+                        <a:t>Author</a:t>
                       </a:r>
+                    </a:p>
+                  </a:txBody>
+                  <a:tcPr marL="103270" marR="103270" marT="51635" marB="51635" anchor="ctr"/>
+                </a:tc>
+                <a:tc>
+                  <a:txBody>
+                    <a:bodyPr/>
+                    <a:lstStyle/>
+                    <a:p>
+                      <a:pPr algn="ctr"/>
+                      <a:r>
+                        <a:rPr lang="it-IT" sz="2000" dirty="0" err="1">
+                          <a:latin typeface="Century Schoolbook" panose="02040604050505020304" pitchFamily="18" charset="0"/>
+                        </a:rPr>
+                        <a:t>Our</a:t>
+                      </a:r>
+                      <a:r>
+                        <a:rPr lang="it-IT" sz="2000" dirty="0">
+                          <a:latin typeface="Century Schoolbook" panose="02040604050505020304" pitchFamily="18" charset="0"/>
+                        </a:rPr>
+                        <a:t> </a:t>
+                      </a:r>
+                      <a:r>
+                        <a:rPr lang="it-IT" sz="2000" dirty="0" err="1">
+                          <a:latin typeface="Century Schoolbook" panose="02040604050505020304" pitchFamily="18" charset="0"/>
+                        </a:rPr>
+                        <a:t>usage</a:t>
+                      </a:r>
+                      <a:endParaRPr lang="it-IT" sz="2000" dirty="0">
+                        <a:latin typeface="Century Schoolbook" panose="02040604050505020304" pitchFamily="18" charset="0"/>
+                      </a:endParaRPr>
                     </a:p>
                   </a:txBody>
                   <a:tcPr marL="103270" marR="103270" marT="51635" marB="51635" anchor="ctr"/>
@@ -25697,23 +25968,7 @@
                         <a:rPr lang="it-IT" sz="2000" dirty="0">
                           <a:latin typeface="Century Schoolbook" panose="02040604050505020304" pitchFamily="18" charset="0"/>
                         </a:rPr>
-                        <a:t>Utilizzo</a:t>
-                      </a:r>
-                    </a:p>
-                  </a:txBody>
-                  <a:tcPr marL="103270" marR="103270" marT="51635" marB="51635" anchor="ctr"/>
-                </a:tc>
-                <a:tc>
-                  <a:txBody>
-                    <a:bodyPr/>
-                    <a:lstStyle/>
-                    <a:p>
-                      <a:pPr algn="ctr"/>
-                      <a:r>
-                        <a:rPr lang="it-IT" sz="2000" dirty="0">
-                          <a:latin typeface="Century Schoolbook" panose="02040604050505020304" pitchFamily="18" charset="0"/>
-                        </a:rPr>
-                        <a:t>Licenza</a:t>
+                        <a:t>License</a:t>
                       </a:r>
                     </a:p>
                   </a:txBody>
@@ -26056,18 +26311,7 @@
                         <a:rPr lang="it-IT" sz="2000" dirty="0">
                           <a:latin typeface="Century Schoolbook" panose="02040604050505020304" pitchFamily="18" charset="0"/>
                         </a:rPr>
-                        <a:t>Riproduzione </a:t>
-                      </a:r>
-                      <a:br>
-                        <a:rPr lang="it-IT" sz="2000" dirty="0">
-                          <a:latin typeface="Century Schoolbook" panose="02040604050505020304" pitchFamily="18" charset="0"/>
-                        </a:rPr>
-                      </a:br>
-                      <a:r>
-                        <a:rPr lang="it-IT" sz="2000" dirty="0">
-                          <a:latin typeface="Century Schoolbook" panose="02040604050505020304" pitchFamily="18" charset="0"/>
-                        </a:rPr>
-                        <a:t>di note</a:t>
+                        <a:t>Playing musical notes</a:t>
                       </a:r>
                     </a:p>
                   </a:txBody>
@@ -26158,16 +26402,22 @@
           <a:lstStyle/>
           <a:p>
             <a:r>
+              <a:rPr lang="it-IT" sz="2800" dirty="0" err="1">
+                <a:latin typeface="Century Schoolbook" panose="02040604050505020304" pitchFamily="18" charset="0"/>
+              </a:rPr>
+              <a:t>Implementation</a:t>
+            </a:r>
+            <a:r>
               <a:rPr lang="it-IT" sz="2800" dirty="0">
                 <a:latin typeface="Century Schoolbook" panose="02040604050505020304" pitchFamily="18" charset="0"/>
               </a:rPr>
-              <a:t>Implementazione: </a:t>
+              <a:t>: </a:t>
             </a:r>
             <a:r>
-              <a:rPr lang="it-IT" sz="3600" dirty="0">
+              <a:rPr lang="it-IT" sz="3600" dirty="0" err="1">
                 <a:latin typeface="Century Schoolbook" panose="02040604050505020304" pitchFamily="18" charset="0"/>
               </a:rPr>
-              <a:t>difficoltà</a:t>
+              <a:t>issues</a:t>
             </a:r>
             <a:endParaRPr lang="en-GB" sz="3600" dirty="0">
               <a:latin typeface="Century Schoolbook" panose="02040604050505020304" pitchFamily="18" charset="0"/>
@@ -26228,7 +26478,7 @@
       </p:sp>
       <p:pic>
         <p:nvPicPr>
-          <p:cNvPr id="9" name="Content Placeholder 8" descr="A close up of a sign&#13;&#10;&#13;&#10;Description automatically generated">
+          <p:cNvPr id="9" name="Content Placeholder 8" descr="A close up of a sign&#10;&#10;Description automatically generated">
             <a:extLst>
               <a:ext uri="{FF2B5EF4-FFF2-40B4-BE49-F238E27FC236}">
                 <a16:creationId xmlns:a16="http://schemas.microsoft.com/office/drawing/2014/main" id="{334458B5-DA98-BD41-9EF8-5A362FB90D4F}"/>
@@ -26509,7 +26759,7 @@
       </p:sp>
       <p:pic>
         <p:nvPicPr>
-          <p:cNvPr id="14" name="Picture 13" descr="A close up of a logo&#13;&#10;&#13;&#10;Description automatically generated">
+          <p:cNvPr id="14" name="Picture 13" descr="A close up of a logo&#10;&#10;Description automatically generated">
             <a:extLst>
               <a:ext uri="{FF2B5EF4-FFF2-40B4-BE49-F238E27FC236}">
                 <a16:creationId xmlns:a16="http://schemas.microsoft.com/office/drawing/2014/main" id="{83986E14-1550-0F40-936E-D0FD90C64616}"/>
@@ -26707,21 +26957,28 @@
               <a:buChar char="•"/>
             </a:pPr>
             <a:r>
-              <a:rPr lang="it-IT" sz="3000" dirty="0">
+              <a:rPr lang="it-IT" sz="3000" dirty="0" err="1">
                 <a:latin typeface="Century Schoolbook" panose="02040604050505020304" pitchFamily="18" charset="0"/>
               </a:rPr>
-              <a:t>Capire il funzionamento delle </a:t>
+              <a:t>Understand</a:t>
             </a:r>
-            <a:br>
-              <a:rPr lang="it-IT" sz="3000" dirty="0">
-                <a:latin typeface="Century Schoolbook" panose="02040604050505020304" pitchFamily="18" charset="0"/>
-              </a:rPr>
-            </a:br>
             <a:r>
               <a:rPr lang="it-IT" sz="3000" dirty="0">
                 <a:latin typeface="Century Schoolbook" panose="02040604050505020304" pitchFamily="18" charset="0"/>
               </a:rPr>
-              <a:t>librerie esterne</a:t>
+              <a:t> how </a:t>
+            </a:r>
+            <a:r>
+              <a:rPr lang="it-IT" sz="3000" dirty="0" err="1">
+                <a:latin typeface="Century Schoolbook" panose="02040604050505020304" pitchFamily="18" charset="0"/>
+              </a:rPr>
+              <a:t>external</a:t>
+            </a:r>
+            <a:r>
+              <a:rPr lang="it-IT" sz="3000" dirty="0">
+                <a:latin typeface="Century Schoolbook" panose="02040604050505020304" pitchFamily="18" charset="0"/>
+              </a:rPr>
+              <a:t> libraries work</a:t>
             </a:r>
           </a:p>
           <a:p>
@@ -26742,24 +26999,37 @@
               <a:rPr lang="it-IT" sz="2700" dirty="0">
                 <a:latin typeface="Century Schoolbook" panose="02040604050505020304" pitchFamily="18" charset="0"/>
               </a:rPr>
-              <a:t>Utilizzare e modificare le librerie </a:t>
+              <a:t>Use and </a:t>
             </a:r>
-            <a:br>
-              <a:rPr lang="it-IT" sz="2700" dirty="0">
+            <a:r>
+              <a:rPr lang="it-IT" sz="2700" dirty="0" err="1">
                 <a:latin typeface="Century Schoolbook" panose="02040604050505020304" pitchFamily="18" charset="0"/>
               </a:rPr>
-            </a:br>
+              <a:t>modify</a:t>
+            </a:r>
             <a:r>
               <a:rPr lang="it-IT" sz="2700" dirty="0">
                 <a:latin typeface="Century Schoolbook" panose="02040604050505020304" pitchFamily="18" charset="0"/>
               </a:rPr>
-              <a:t>per gli scopi di </a:t>
+              <a:t> libraries for </a:t>
             </a:r>
             <a:r>
               <a:rPr lang="it-IT" sz="2700" dirty="0" err="1">
                 <a:latin typeface="Century Schoolbook" panose="02040604050505020304" pitchFamily="18" charset="0"/>
               </a:rPr>
               <a:t>JumpApp</a:t>
+            </a:r>
+            <a:r>
+              <a:rPr lang="it-IT" sz="2700" dirty="0">
+                <a:latin typeface="Century Schoolbook" panose="02040604050505020304" pitchFamily="18" charset="0"/>
+              </a:rPr>
+              <a:t> </a:t>
+            </a:r>
+            <a:r>
+              <a:rPr lang="it-IT" sz="2700" dirty="0" err="1">
+                <a:latin typeface="Century Schoolbook" panose="02040604050505020304" pitchFamily="18" charset="0"/>
+              </a:rPr>
+              <a:t>purposes</a:t>
             </a:r>
             <a:br>
               <a:rPr lang="it-IT" sz="2400" dirty="0">
@@ -26776,17 +27046,40 @@
               <a:buChar char="•"/>
             </a:pPr>
             <a:r>
+              <a:rPr lang="it-IT" sz="2500" dirty="0" err="1">
+                <a:latin typeface="Century Schoolbook" panose="02040604050505020304" pitchFamily="18" charset="0"/>
+              </a:rPr>
+              <a:t>Manage</a:t>
+            </a:r>
+            <a:r>
               <a:rPr lang="it-IT" sz="2500" dirty="0">
                 <a:latin typeface="Century Schoolbook" panose="02040604050505020304" pitchFamily="18" charset="0"/>
               </a:rPr>
-              <a:t>Gestire il flusso informativo fra i moduli</a:t>
+              <a:t> information flow </a:t>
             </a:r>
+            <a:r>
+              <a:rPr lang="it-IT" sz="2500" dirty="0" err="1">
+                <a:latin typeface="Century Schoolbook" panose="02040604050505020304" pitchFamily="18" charset="0"/>
+              </a:rPr>
+              <a:t>between</a:t>
+            </a:r>
+            <a:r>
+              <a:rPr lang="it-IT" sz="2500" dirty="0">
+                <a:latin typeface="Century Schoolbook" panose="02040604050505020304" pitchFamily="18" charset="0"/>
+              </a:rPr>
+              <a:t> </a:t>
+            </a:r>
+            <a:r>
+              <a:rPr lang="it-IT" sz="2500" dirty="0" err="1">
+                <a:latin typeface="Century Schoolbook" panose="02040604050505020304" pitchFamily="18" charset="0"/>
+              </a:rPr>
+              <a:t>modules</a:t>
+            </a:r>
+            <a:endParaRPr lang="it-IT" sz="2500" dirty="0">
+              <a:latin typeface="Century Schoolbook" panose="02040604050505020304" pitchFamily="18" charset="0"/>
+            </a:endParaRPr>
           </a:p>
           <a:p>
-            <a:pPr marL="457200" indent="-457200">
-              <a:buFont typeface="Arial" panose="020B0604020202020204" pitchFamily="34" charset="0"/>
-              <a:buChar char="•"/>
-            </a:pPr>
             <a:endParaRPr lang="it-IT" sz="2500" dirty="0">
               <a:latin typeface="Century Schoolbook" panose="02040604050505020304" pitchFamily="18" charset="0"/>
             </a:endParaRPr>
